--- a/Master/Master presentation.pptx
+++ b/Master/Master presentation.pptx
@@ -218,14 +218,11 @@
           </a:lstStyle>
           <a:p>
             <a:r>
-              <a:rPr lang="en-US" dirty="0" smtClean="0">
+              <a:rPr lang="en-US" dirty="0">
                 <a:latin typeface="Segoe UI" pitchFamily="34" charset="0"/>
               </a:rPr>
               <a:t>Build 2015</a:t>
             </a:r>
-            <a:endParaRPr lang="en-US" dirty="0">
-              <a:latin typeface="Segoe UI" pitchFamily="34" charset="0"/>
-            </a:endParaRPr>
           </a:p>
         </p:txBody>
       </p:sp>
@@ -260,7 +257,7 @@
               <a:rPr lang="en-US" smtClean="0">
                 <a:latin typeface="Segoe UI" pitchFamily="34" charset="0"/>
               </a:rPr>
-              <a:t>1/19/2016 5:30 PM</a:t>
+              <a:t>2/2/2016 5:29 PM</a:t>
             </a:fld>
             <a:endParaRPr lang="en-US" dirty="0">
               <a:latin typeface="Segoe UI" pitchFamily="34" charset="0"/>
@@ -297,7 +294,7 @@
           <a:p>
             <a:pPr marL="398463" defTabSz="914099" eaLnBrk="0" hangingPunct="0"/>
             <a:r>
-              <a:rPr lang="en-US" sz="400" dirty="0" smtClean="0">
+              <a:rPr lang="en-US" sz="400" dirty="0">
                 <a:gradFill>
                   <a:gsLst>
                     <a:gs pos="0">
@@ -315,22 +312,6 @@
               </a:rPr>
               <a:t>© 2015 Microsoft Corporation. All rights reserved. MICROSOFT MAKES NO WARRANTIES, EXPRESS, IMPLIED OR STATUTORY, AS TO THE INFORMATION IN THIS PRESENTATION.</a:t>
             </a:r>
-            <a:endParaRPr lang="en-US" sz="400" dirty="0">
-              <a:gradFill>
-                <a:gsLst>
-                  <a:gs pos="0">
-                    <a:schemeClr val="tx1"/>
-                  </a:gs>
-                  <a:gs pos="100000">
-                    <a:schemeClr val="tx1"/>
-                  </a:gs>
-                </a:gsLst>
-                <a:lin ang="5400000" scaled="0"/>
-              </a:gradFill>
-              <a:latin typeface="Segoe UI" pitchFamily="34" charset="0"/>
-              <a:ea typeface="Segoe UI" pitchFamily="34" charset="0"/>
-              <a:cs typeface="Segoe UI" pitchFamily="34" charset="0"/>
-            </a:endParaRPr>
           </a:p>
         </p:txBody>
       </p:sp>
@@ -437,14 +418,11 @@
           </a:lstStyle>
           <a:p>
             <a:r>
-              <a:rPr lang="en-US" dirty="0" smtClean="0">
+              <a:rPr lang="en-US" dirty="0">
                 <a:latin typeface="Segoe UI" pitchFamily="34" charset="0"/>
               </a:rPr>
               <a:t>Build 2015</a:t>
             </a:r>
-            <a:endParaRPr lang="en-US" dirty="0">
-              <a:latin typeface="Segoe UI" pitchFamily="34" charset="0"/>
-            </a:endParaRPr>
           </a:p>
         </p:txBody>
       </p:sp>
@@ -510,7 +488,7 @@
           <a:p>
             <a:pPr defTabSz="914099" eaLnBrk="0" hangingPunct="0"/>
             <a:r>
-              <a:rPr lang="en-US" sz="400" dirty="0" smtClean="0">
+              <a:rPr lang="en-US" sz="400" dirty="0">
                 <a:gradFill>
                   <a:gsLst>
                     <a:gs pos="0">
@@ -562,7 +540,7 @@
           <a:p>
             <a:fld id="{38EEC551-8CDA-4EB6-89BB-2A86C9F091C8}" type="datetime8">
               <a:rPr lang="en-US" smtClean="0"/>
-              <a:t>1/19/2016 5:30 PM</a:t>
+              <a:t>2/2/2016 5:29 PM</a:t>
             </a:fld>
             <a:endParaRPr lang="en-US" dirty="0"/>
           </a:p>
@@ -593,38 +571,37 @@
           <a:p>
             <a:pPr lvl="0"/>
             <a:r>
-              <a:rPr lang="en-US" smtClean="0"/>
+              <a:rPr lang="en-US"/>
               <a:t>Click to edit Master text styles</a:t>
             </a:r>
           </a:p>
           <a:p>
             <a:pPr lvl="1"/>
             <a:r>
-              <a:rPr lang="en-US" smtClean="0"/>
+              <a:rPr lang="en-US"/>
               <a:t>Second level</a:t>
             </a:r>
           </a:p>
           <a:p>
             <a:pPr lvl="2"/>
             <a:r>
-              <a:rPr lang="en-US" smtClean="0"/>
+              <a:rPr lang="en-US"/>
               <a:t>Third level</a:t>
             </a:r>
           </a:p>
           <a:p>
             <a:pPr lvl="3"/>
             <a:r>
-              <a:rPr lang="en-US" smtClean="0"/>
+              <a:rPr lang="en-US"/>
               <a:t>Fourth level</a:t>
             </a:r>
           </a:p>
           <a:p>
             <a:pPr lvl="4"/>
             <a:r>
-              <a:rPr lang="en-US" smtClean="0"/>
+              <a:rPr lang="en-US"/>
               <a:t>Fifth level</a:t>
             </a:r>
-            <a:endParaRPr lang="en-US"/>
           </a:p>
         </p:txBody>
       </p:sp>
@@ -886,7 +863,7 @@
           <a:p>
             <a:pPr algn="r"/>
             <a:r>
-              <a:rPr lang="es-ES" sz="2800" b="1" dirty="0" smtClean="0">
+              <a:rPr lang="es-ES" sz="2800" b="1" dirty="0">
                 <a:solidFill>
                   <a:schemeClr val="bg1"/>
                 </a:solidFill>
@@ -1108,7 +1085,7 @@
               <a:tabLst/>
             </a:pPr>
             <a:r>
-              <a:rPr kumimoji="0" lang="es-ES" altLang="es-ES" sz="6600" i="0" u="none" strike="noStrike" cap="none" normalizeH="0" baseline="0" dirty="0" err="1" smtClean="0">
+              <a:rPr kumimoji="0" lang="es-ES" altLang="es-ES" sz="6600" i="0" u="none" strike="noStrike" cap="none" normalizeH="0" baseline="0" dirty="0" err="1">
                 <a:ln>
                   <a:noFill/>
                 </a:ln>
@@ -1122,7 +1099,7 @@
               <a:t>dotNet</a:t>
             </a:r>
             <a:r>
-              <a:rPr kumimoji="0" lang="es-ES" altLang="es-ES" sz="6600" i="0" u="none" strike="noStrike" cap="none" normalizeH="0" baseline="0" dirty="0" smtClean="0">
+              <a:rPr kumimoji="0" lang="es-ES" altLang="es-ES" sz="6600" i="0" u="none" strike="noStrike" cap="none" normalizeH="0" baseline="0" dirty="0">
                 <a:ln>
                   <a:noFill/>
                 </a:ln>
@@ -1135,7 +1112,7 @@
               </a:rPr>
               <a:t> Spain Conference 2016</a:t>
             </a:r>
-            <a:endParaRPr kumimoji="0" lang="es-ES" altLang="es-ES" sz="3600" i="0" u="none" strike="noStrike" cap="none" normalizeH="0" baseline="0" dirty="0" smtClean="0">
+            <a:endParaRPr kumimoji="0" lang="es-ES" altLang="es-ES" sz="3600" i="0" u="none" strike="noStrike" cap="none" normalizeH="0" baseline="0" dirty="0">
               <a:ln>
                 <a:noFill/>
               </a:ln>
@@ -1255,38 +1232,37 @@
           <a:p>
             <a:pPr lvl="0"/>
             <a:r>
-              <a:rPr lang="en-US" dirty="0" smtClean="0"/>
+              <a:rPr lang="en-US" dirty="0"/>
               <a:t>First level</a:t>
             </a:r>
           </a:p>
           <a:p>
             <a:pPr lvl="1"/>
             <a:r>
-              <a:rPr lang="en-US" dirty="0" smtClean="0"/>
+              <a:rPr lang="en-US" dirty="0"/>
               <a:t>Second level</a:t>
             </a:r>
           </a:p>
           <a:p>
             <a:pPr lvl="2"/>
             <a:r>
-              <a:rPr lang="en-US" dirty="0" smtClean="0"/>
+              <a:rPr lang="en-US" dirty="0"/>
               <a:t>Third level</a:t>
             </a:r>
           </a:p>
           <a:p>
             <a:pPr lvl="3"/>
             <a:r>
-              <a:rPr lang="en-US" dirty="0" smtClean="0"/>
+              <a:rPr lang="en-US" dirty="0"/>
               <a:t>Fourth level</a:t>
             </a:r>
           </a:p>
           <a:p>
             <a:pPr lvl="4"/>
             <a:r>
-              <a:rPr lang="en-US" dirty="0" smtClean="0"/>
+              <a:rPr lang="en-US" dirty="0"/>
               <a:t>Fifth level</a:t>
             </a:r>
-            <a:endParaRPr lang="en-US" dirty="0"/>
           </a:p>
         </p:txBody>
       </p:sp>
@@ -1314,10 +1290,9 @@
           </a:lstStyle>
           <a:p>
             <a:r>
-              <a:rPr lang="en-US" dirty="0" smtClean="0"/>
+              <a:rPr lang="en-US" dirty="0"/>
               <a:t>Section1</a:t>
             </a:r>
-            <a:endParaRPr lang="en-US" dirty="0"/>
           </a:p>
         </p:txBody>
       </p:sp>
@@ -1344,7 +1319,7 @@
           <a:p>
             <a:pPr algn="r"/>
             <a:r>
-              <a:rPr lang="es-ES" sz="2800" b="1" dirty="0" smtClean="0">
+              <a:rPr lang="es-ES" sz="2800" b="1" dirty="0">
                 <a:solidFill>
                   <a:schemeClr val="bg1"/>
                 </a:solidFill>
@@ -1557,38 +1532,37 @@
           <a:p>
             <a:pPr lvl="0"/>
             <a:r>
-              <a:rPr lang="en-US" dirty="0" smtClean="0"/>
+              <a:rPr lang="en-US" dirty="0"/>
               <a:t>First level</a:t>
             </a:r>
           </a:p>
           <a:p>
             <a:pPr lvl="1"/>
             <a:r>
-              <a:rPr lang="en-US" dirty="0" smtClean="0"/>
+              <a:rPr lang="en-US" dirty="0"/>
               <a:t>Second level</a:t>
             </a:r>
           </a:p>
           <a:p>
             <a:pPr lvl="2"/>
             <a:r>
-              <a:rPr lang="en-US" dirty="0" smtClean="0"/>
+              <a:rPr lang="en-US" dirty="0"/>
               <a:t>Third level</a:t>
             </a:r>
           </a:p>
           <a:p>
             <a:pPr lvl="3"/>
             <a:r>
-              <a:rPr lang="en-US" dirty="0" smtClean="0"/>
+              <a:rPr lang="en-US" dirty="0"/>
               <a:t>Fourth level</a:t>
             </a:r>
           </a:p>
           <a:p>
             <a:pPr lvl="4"/>
             <a:r>
-              <a:rPr lang="en-US" dirty="0" smtClean="0"/>
+              <a:rPr lang="en-US" dirty="0"/>
               <a:t>Fifth level</a:t>
             </a:r>
-            <a:endParaRPr lang="en-US" dirty="0"/>
           </a:p>
         </p:txBody>
       </p:sp>
@@ -1631,10 +1605,9 @@
           </a:lstStyle>
           <a:p>
             <a:r>
-              <a:rPr lang="en-US" dirty="0" smtClean="0"/>
+              <a:rPr lang="en-US" dirty="0"/>
               <a:t>Section1</a:t>
             </a:r>
-            <a:endParaRPr lang="en-US" dirty="0"/>
           </a:p>
         </p:txBody>
       </p:sp>
@@ -1661,7 +1634,7 @@
           <a:p>
             <a:pPr algn="r"/>
             <a:r>
-              <a:rPr lang="es-ES" sz="2800" b="1" dirty="0" smtClean="0">
+              <a:rPr lang="es-ES" sz="2800" b="1" dirty="0">
                 <a:solidFill>
                   <a:srgbClr val="67217A"/>
                 </a:solidFill>
@@ -1759,10 +1732,9 @@
           </a:lstStyle>
           <a:p>
             <a:r>
-              <a:rPr lang="en-US" dirty="0" smtClean="0"/>
+              <a:rPr lang="en-US" dirty="0"/>
               <a:t>Click to edit Master title style</a:t>
             </a:r>
-            <a:endParaRPr lang="en-US" dirty="0"/>
           </a:p>
         </p:txBody>
       </p:sp>
@@ -1824,38 +1796,37 @@
           <a:p>
             <a:pPr lvl="0"/>
             <a:r>
-              <a:rPr lang="en-US" dirty="0" smtClean="0"/>
+              <a:rPr lang="en-US" dirty="0"/>
               <a:t>First level</a:t>
             </a:r>
           </a:p>
           <a:p>
             <a:pPr lvl="1"/>
             <a:r>
-              <a:rPr lang="en-US" dirty="0" smtClean="0"/>
+              <a:rPr lang="en-US" dirty="0"/>
               <a:t>Second level</a:t>
             </a:r>
           </a:p>
           <a:p>
             <a:pPr lvl="2"/>
             <a:r>
-              <a:rPr lang="en-US" dirty="0" smtClean="0"/>
+              <a:rPr lang="en-US" dirty="0"/>
               <a:t>Third level</a:t>
             </a:r>
           </a:p>
           <a:p>
             <a:pPr lvl="3"/>
             <a:r>
-              <a:rPr lang="en-US" dirty="0" smtClean="0"/>
+              <a:rPr lang="en-US" dirty="0"/>
               <a:t>Fourth level</a:t>
             </a:r>
           </a:p>
           <a:p>
             <a:pPr lvl="4"/>
             <a:r>
-              <a:rPr lang="en-US" dirty="0" smtClean="0"/>
+              <a:rPr lang="en-US" dirty="0"/>
               <a:t>Fifth level</a:t>
             </a:r>
-            <a:endParaRPr lang="en-US" dirty="0"/>
           </a:p>
         </p:txBody>
       </p:sp>
@@ -1917,38 +1888,37 @@
           <a:p>
             <a:pPr lvl="0"/>
             <a:r>
-              <a:rPr lang="en-US" dirty="0" smtClean="0"/>
+              <a:rPr lang="en-US" dirty="0"/>
               <a:t>First level</a:t>
             </a:r>
           </a:p>
           <a:p>
             <a:pPr lvl="1"/>
             <a:r>
-              <a:rPr lang="en-US" dirty="0" smtClean="0"/>
+              <a:rPr lang="en-US" dirty="0"/>
               <a:t>Second level</a:t>
             </a:r>
           </a:p>
           <a:p>
             <a:pPr lvl="2"/>
             <a:r>
-              <a:rPr lang="en-US" dirty="0" smtClean="0"/>
+              <a:rPr lang="en-US" dirty="0"/>
               <a:t>Third level</a:t>
             </a:r>
           </a:p>
           <a:p>
             <a:pPr lvl="3"/>
             <a:r>
-              <a:rPr lang="en-US" dirty="0" smtClean="0"/>
+              <a:rPr lang="en-US" dirty="0"/>
               <a:t>Fourth level</a:t>
             </a:r>
           </a:p>
           <a:p>
             <a:pPr lvl="4"/>
             <a:r>
-              <a:rPr lang="en-US" dirty="0" smtClean="0"/>
+              <a:rPr lang="en-US" dirty="0"/>
               <a:t>Fifth level</a:t>
             </a:r>
-            <a:endParaRPr lang="en-US" dirty="0"/>
           </a:p>
         </p:txBody>
       </p:sp>
@@ -1975,7 +1945,7 @@
           <a:p>
             <a:pPr algn="r"/>
             <a:r>
-              <a:rPr lang="es-ES" sz="2800" b="1" dirty="0" smtClean="0">
+              <a:rPr lang="es-ES" sz="2800" b="1" dirty="0">
                 <a:solidFill>
                   <a:srgbClr val="67217A"/>
                 </a:solidFill>
@@ -2121,7 +2091,7 @@
               <a:buNone/>
             </a:pPr>
             <a:r>
-              <a:rPr lang="en-US" dirty="0" smtClean="0"/>
+              <a:rPr lang="en-US" dirty="0"/>
               <a:t>First level</a:t>
             </a:r>
           </a:p>
@@ -2137,7 +2107,7 @@
               <a:buNone/>
             </a:pPr>
             <a:r>
-              <a:rPr lang="en-US" dirty="0" smtClean="0"/>
+              <a:rPr lang="en-US" dirty="0"/>
               <a:t>Second level</a:t>
             </a:r>
           </a:p>
@@ -2153,7 +2123,7 @@
               <a:buNone/>
             </a:pPr>
             <a:r>
-              <a:rPr lang="en-US" dirty="0" smtClean="0"/>
+              <a:rPr lang="en-US" dirty="0"/>
               <a:t>Third level</a:t>
             </a:r>
           </a:p>
@@ -2179,10 +2149,9 @@
           </a:lstStyle>
           <a:p>
             <a:r>
-              <a:rPr lang="en-US" dirty="0" smtClean="0"/>
+              <a:rPr lang="en-US" dirty="0"/>
               <a:t>Code section</a:t>
             </a:r>
-            <a:endParaRPr lang="en-US" dirty="0"/>
           </a:p>
         </p:txBody>
       </p:sp>
@@ -2209,7 +2178,7 @@
           <a:p>
             <a:pPr algn="r"/>
             <a:r>
-              <a:rPr lang="es-ES" sz="2800" b="1" dirty="0" smtClean="0">
+              <a:rPr lang="es-ES" sz="2800" b="1" dirty="0">
                 <a:solidFill>
                   <a:srgbClr val="67217A"/>
                 </a:solidFill>
@@ -2307,7 +2276,7 @@
           <a:p>
             <a:pPr lvl="0"/>
             <a:r>
-              <a:rPr lang="en-US" dirty="0" smtClean="0"/>
+              <a:rPr lang="en-US" dirty="0"/>
               <a:t>Evaluation URL</a:t>
             </a:r>
           </a:p>
@@ -2343,11 +2312,11 @@
           </a:lstStyle>
           <a:p>
             <a:r>
-              <a:rPr lang="es-ES" dirty="0" smtClean="0"/>
+              <a:rPr lang="es-ES" dirty="0"/>
               <a:t>QR </a:t>
             </a:r>
             <a:r>
-              <a:rPr lang="es-ES" dirty="0" err="1" smtClean="0"/>
+              <a:rPr lang="es-ES" dirty="0" err="1"/>
               <a:t>Code</a:t>
             </a:r>
             <a:endParaRPr lang="es-ES" dirty="0"/>
@@ -2401,7 +2370,7 @@
           </a:lstStyle>
           <a:p>
             <a:r>
-              <a:rPr lang="en-US" sz="5400" dirty="0" smtClean="0"/>
+              <a:rPr lang="en-US" sz="5400" dirty="0"/>
               <a:t>Q&amp;A</a:t>
             </a:r>
             <a:endParaRPr lang="es-ES" sz="5400" dirty="0"/>
@@ -2431,7 +2400,7 @@
           <a:p>
             <a:pPr algn="r"/>
             <a:r>
-              <a:rPr lang="es-ES" sz="2800" b="1" dirty="0" smtClean="0">
+              <a:rPr lang="es-ES" sz="2800" b="1" dirty="0">
                 <a:solidFill>
                   <a:schemeClr val="bg1"/>
                 </a:solidFill>
@@ -2549,21 +2518,21 @@
           <a:p>
             <a:pPr lvl="0"/>
             <a:r>
-              <a:rPr lang="en-US" dirty="0" smtClean="0"/>
+              <a:rPr lang="en-US" dirty="0"/>
               <a:t>Speaker Name</a:t>
             </a:r>
           </a:p>
           <a:p>
             <a:pPr lvl="0"/>
             <a:r>
-              <a:rPr lang="en-US" dirty="0" smtClean="0"/>
+              <a:rPr lang="en-US" dirty="0"/>
               <a:t>Role</a:t>
             </a:r>
           </a:p>
           <a:p>
             <a:pPr lvl="0"/>
             <a:r>
-              <a:rPr lang="en-US" dirty="0" smtClean="0"/>
+              <a:rPr lang="en-US" dirty="0"/>
               <a:t>Contact</a:t>
             </a:r>
           </a:p>
@@ -2637,7 +2606,7 @@
           <a:p>
             <a:pPr lvl="0"/>
             <a:r>
-              <a:rPr lang="en-US" dirty="0" smtClean="0"/>
+              <a:rPr lang="en-US" dirty="0"/>
               <a:t>Evaluation URL</a:t>
             </a:r>
           </a:p>
@@ -2690,10 +2659,9 @@
           </a:lstStyle>
           <a:p>
             <a:r>
-              <a:rPr lang="es-ES" sz="2800" dirty="0" smtClean="0"/>
+              <a:rPr lang="es-ES" sz="2800" dirty="0"/>
               <a:t>No olvides realizar la encuesta</a:t>
             </a:r>
-            <a:endParaRPr lang="es-ES" sz="2800" dirty="0"/>
           </a:p>
         </p:txBody>
       </p:sp>
@@ -2727,11 +2695,11 @@
           </a:lstStyle>
           <a:p>
             <a:r>
-              <a:rPr lang="es-ES" dirty="0" smtClean="0"/>
+              <a:rPr lang="es-ES" dirty="0"/>
               <a:t>QR </a:t>
             </a:r>
             <a:r>
-              <a:rPr lang="es-ES" dirty="0" err="1" smtClean="0"/>
+              <a:rPr lang="es-ES" dirty="0" err="1"/>
               <a:t>Code</a:t>
             </a:r>
             <a:endParaRPr lang="es-ES" dirty="0"/>
@@ -2785,7 +2753,7 @@
           </a:lstStyle>
           <a:p>
             <a:r>
-              <a:rPr lang="en-US" sz="5400" dirty="0" smtClean="0"/>
+              <a:rPr lang="en-US" sz="5400" dirty="0"/>
               <a:t>¡Gracias!</a:t>
             </a:r>
             <a:endParaRPr lang="es-ES" sz="5400" dirty="0"/>
@@ -2815,7 +2783,7 @@
           <a:p>
             <a:pPr algn="r"/>
             <a:r>
-              <a:rPr lang="es-ES" sz="2800" b="1" dirty="0" smtClean="0">
+              <a:rPr lang="es-ES" sz="2800" b="1" dirty="0">
                 <a:solidFill>
                   <a:schemeClr val="bg1"/>
                 </a:solidFill>
@@ -2937,41 +2905,7 @@
                 </a:gradFill>
                 <a:cs typeface="Segoe UI" pitchFamily="34" charset="0"/>
               </a:rPr>
-              <a:t>© </a:t>
-            </a:r>
-            <a:r>
-              <a:rPr lang="en-US" sz="700" dirty="0" smtClean="0">
-                <a:gradFill>
-                  <a:gsLst>
-                    <a:gs pos="0">
-                      <a:schemeClr val="tx1"/>
-                    </a:gs>
-                    <a:gs pos="100000">
-                      <a:schemeClr val="tx1"/>
-                    </a:gs>
-                  </a:gsLst>
-                  <a:lin ang="5400000" scaled="0"/>
-                </a:gradFill>
-                <a:cs typeface="Segoe UI" pitchFamily="34" charset="0"/>
-              </a:rPr>
-              <a:t>2015 </a:t>
-            </a:r>
-            <a:r>
-              <a:rPr lang="en-US" sz="700" dirty="0">
-                <a:gradFill>
-                  <a:gsLst>
-                    <a:gs pos="0">
-                      <a:schemeClr val="tx1"/>
-                    </a:gs>
-                    <a:gs pos="100000">
-                      <a:schemeClr val="tx1"/>
-                    </a:gs>
-                  </a:gsLst>
-                  <a:lin ang="5400000" scaled="0"/>
-                </a:gradFill>
-                <a:cs typeface="Segoe UI" pitchFamily="34" charset="0"/>
-              </a:rPr>
-              <a:t>Microsoft Corporation. All rights reserved. </a:t>
+              <a:t>© 2015 Microsoft Corporation. All rights reserved. </a:t>
             </a:r>
           </a:p>
         </p:txBody>
@@ -3073,35 +3007,35 @@
           <a:p>
             <a:pPr lvl="0"/>
             <a:r>
-              <a:rPr lang="en-US" smtClean="0"/>
+              <a:rPr lang="en-US"/>
               <a:t>Edit Master text styles</a:t>
             </a:r>
           </a:p>
           <a:p>
             <a:pPr lvl="1"/>
             <a:r>
-              <a:rPr lang="en-US" smtClean="0"/>
+              <a:rPr lang="en-US"/>
               <a:t>Second level</a:t>
             </a:r>
           </a:p>
           <a:p>
             <a:pPr lvl="2"/>
             <a:r>
-              <a:rPr lang="en-US" smtClean="0"/>
+              <a:rPr lang="en-US"/>
               <a:t>Third level</a:t>
             </a:r>
           </a:p>
           <a:p>
             <a:pPr lvl="3"/>
             <a:r>
-              <a:rPr lang="en-US" smtClean="0"/>
+              <a:rPr lang="en-US"/>
               <a:t>Fourth level</a:t>
             </a:r>
           </a:p>
           <a:p>
             <a:pPr lvl="4"/>
             <a:r>
-              <a:rPr lang="en-US" smtClean="0"/>
+              <a:rPr lang="en-US"/>
               <a:t>Fifth level</a:t>
             </a:r>
             <a:endParaRPr lang="en-US" dirty="0"/>
@@ -3124,10 +3058,9 @@
           <a:lstStyle/>
           <a:p>
             <a:r>
-              <a:rPr lang="en-US" smtClean="0"/>
+              <a:rPr lang="en-US"/>
               <a:t>Click to edit Master title style</a:t>
             </a:r>
-            <a:endParaRPr lang="en-US"/>
           </a:p>
         </p:txBody>
       </p:sp>
@@ -3201,7 +3134,7 @@
               <a:defRPr/>
             </a:pPr>
             <a:r>
-              <a:rPr lang="en-US" smtClean="0"/>
+              <a:rPr lang="en-US"/>
               <a:t>Edit Master text styles</a:t>
             </a:r>
           </a:p>
@@ -3265,7 +3198,7 @@
           </a:lstStyle>
           <a:p>
             <a:r>
-              <a:rPr lang="en-US" smtClean="0"/>
+              <a:rPr lang="en-US"/>
               <a:t>Click to edit Master title style</a:t>
             </a:r>
             <a:endParaRPr lang="en-US" dirty="0"/>
@@ -3321,10 +3254,9 @@
           <a:lstStyle/>
           <a:p>
             <a:r>
-              <a:rPr lang="en-US" smtClean="0"/>
+              <a:rPr lang="en-US"/>
               <a:t>Click to edit Master title style</a:t>
             </a:r>
-            <a:endParaRPr lang="en-US"/>
           </a:p>
         </p:txBody>
       </p:sp>
@@ -3398,14 +3330,14 @@
               <a:defRPr/>
             </a:pPr>
             <a:r>
-              <a:rPr lang="en-US" dirty="0" smtClean="0"/>
+              <a:rPr lang="en-US" dirty="0"/>
               <a:t>Click to edit</a:t>
             </a:r>
             <a:br>
-              <a:rPr lang="en-US" dirty="0" smtClean="0"/>
+              <a:rPr lang="en-US" dirty="0"/>
             </a:br>
             <a:r>
-              <a:rPr lang="en-US" dirty="0" smtClean="0"/>
+              <a:rPr lang="en-US" dirty="0"/>
               <a:t>Master text styles</a:t>
             </a:r>
           </a:p>
@@ -3490,21 +3422,21 @@
           <a:p>
             <a:pPr lvl="0"/>
             <a:r>
-              <a:rPr lang="en-US" dirty="0" smtClean="0"/>
+              <a:rPr lang="en-US" dirty="0"/>
               <a:t>Speaker Name</a:t>
             </a:r>
           </a:p>
           <a:p>
             <a:pPr lvl="0"/>
             <a:r>
-              <a:rPr lang="en-US" dirty="0" smtClean="0"/>
+              <a:rPr lang="en-US" dirty="0"/>
               <a:t>Role</a:t>
             </a:r>
           </a:p>
           <a:p>
             <a:pPr lvl="0"/>
             <a:r>
-              <a:rPr lang="en-US" dirty="0" smtClean="0"/>
+              <a:rPr lang="en-US" dirty="0"/>
               <a:t>Contact</a:t>
             </a:r>
           </a:p>
@@ -3540,10 +3472,9 @@
           </a:lstStyle>
           <a:p>
             <a:r>
-              <a:rPr lang="en-US" dirty="0" smtClean="0"/>
+              <a:rPr lang="en-US" dirty="0"/>
               <a:t>Presentation title</a:t>
             </a:r>
-            <a:endParaRPr lang="en-US" dirty="0"/>
           </a:p>
         </p:txBody>
       </p:sp>
@@ -3600,7 +3531,7 @@
           <a:p>
             <a:pPr algn="r"/>
             <a:r>
-              <a:rPr lang="es-ES" sz="2800" b="1" dirty="0" smtClean="0">
+              <a:rPr lang="es-ES" sz="2800" b="1" dirty="0">
                 <a:solidFill>
                   <a:schemeClr val="bg1"/>
                 </a:solidFill>
@@ -3811,7 +3742,7 @@
               </a:spcBef>
             </a:pPr>
             <a:r>
-              <a:rPr lang="en-US" smtClean="0"/>
+              <a:rPr lang="en-US"/>
               <a:t>Edit Master text styles</a:t>
             </a:r>
           </a:p>
@@ -4053,10 +3984,9 @@
               <a:buNone/>
             </a:pPr>
             <a:r>
-              <a:rPr lang="en-US" dirty="0" smtClean="0"/>
+              <a:rPr lang="en-US" dirty="0"/>
               <a:t>Click to edit master title style</a:t>
             </a:r>
-            <a:endParaRPr lang="en-US" dirty="0"/>
           </a:p>
         </p:txBody>
       </p:sp>
@@ -4166,7 +4096,7 @@
               </a:spcAft>
             </a:pPr>
             <a:r>
-              <a:rPr lang="en-US" smtClean="0"/>
+              <a:rPr lang="en-US"/>
               <a:t>Edit Master text styles</a:t>
             </a:r>
           </a:p>
@@ -4230,7 +4160,7 @@
               </a:spcBef>
             </a:pPr>
             <a:r>
-              <a:rPr lang="en-US" dirty="0" smtClean="0"/>
+              <a:rPr lang="en-US" dirty="0"/>
               <a:t>Click to edit master text styles</a:t>
             </a:r>
           </a:p>
@@ -4472,10 +4402,9 @@
               <a:buNone/>
             </a:pPr>
             <a:r>
-              <a:rPr lang="en-US" dirty="0" smtClean="0"/>
+              <a:rPr lang="en-US" dirty="0"/>
               <a:t>Click to edit master title style</a:t>
             </a:r>
-            <a:endParaRPr lang="en-US" dirty="0"/>
           </a:p>
         </p:txBody>
       </p:sp>
@@ -4577,7 +4506,7 @@
               </a:spcBef>
             </a:pPr>
             <a:r>
-              <a:rPr lang="en-US" smtClean="0"/>
+              <a:rPr lang="en-US"/>
               <a:t>Edit Master text styles</a:t>
             </a:r>
           </a:p>
@@ -4879,7 +4808,7 @@
           </a:lstStyle>
           <a:p>
             <a:r>
-              <a:rPr lang="en-US" smtClean="0"/>
+              <a:rPr lang="en-US"/>
               <a:t>Click icon to add picture</a:t>
             </a:r>
             <a:endParaRPr lang="en-US" dirty="0"/>
@@ -4902,7 +4831,7 @@
           <a:lstStyle/>
           <a:p>
             <a:r>
-              <a:rPr lang="en-US" smtClean="0"/>
+              <a:rPr lang="en-US"/>
               <a:t>Click to edit Master title style</a:t>
             </a:r>
             <a:endParaRPr lang="en-US" dirty="0"/>
@@ -5052,7 +4981,7 @@
               <a:buNone/>
             </a:pPr>
             <a:r>
-              <a:rPr lang="en-US" smtClean="0"/>
+              <a:rPr lang="en-US"/>
               <a:t>Edit Master text styles</a:t>
             </a:r>
           </a:p>
@@ -5068,7 +4997,7 @@
               <a:buNone/>
             </a:pPr>
             <a:r>
-              <a:rPr lang="en-US" smtClean="0"/>
+              <a:rPr lang="en-US"/>
               <a:t>Second level</a:t>
             </a:r>
           </a:p>
@@ -5084,7 +5013,7 @@
               <a:buNone/>
             </a:pPr>
             <a:r>
-              <a:rPr lang="en-US" smtClean="0"/>
+              <a:rPr lang="en-US"/>
               <a:t>Third level</a:t>
             </a:r>
           </a:p>
@@ -5106,10 +5035,9 @@
           <a:lstStyle/>
           <a:p>
             <a:r>
-              <a:rPr lang="en-US" smtClean="0"/>
+              <a:rPr lang="en-US"/>
               <a:t>Click to edit Master title style</a:t>
             </a:r>
-            <a:endParaRPr lang="en-US"/>
           </a:p>
         </p:txBody>
       </p:sp>
@@ -5639,7 +5567,7 @@
           </a:lstStyle>
           <a:p>
             <a:r>
-              <a:rPr lang="en-US" smtClean="0"/>
+              <a:rPr lang="en-US"/>
               <a:t>Click icon to add picture</a:t>
             </a:r>
             <a:endParaRPr lang="en-US" dirty="0"/>
@@ -5941,10 +5869,9 @@
           </a:lstStyle>
           <a:p>
             <a:r>
-              <a:rPr lang="en-US" dirty="0" smtClean="0"/>
+              <a:rPr lang="en-US" dirty="0"/>
               <a:t>Click icon to add picture</a:t>
             </a:r>
-            <a:endParaRPr lang="en-US" dirty="0"/>
           </a:p>
         </p:txBody>
       </p:sp>
@@ -6305,7 +6232,7 @@
           </a:lstStyle>
           <a:p>
             <a:r>
-              <a:rPr lang="en-US" smtClean="0"/>
+              <a:rPr lang="en-US"/>
               <a:t>Click icon to add picture</a:t>
             </a:r>
             <a:endParaRPr lang="en-US" dirty="0"/>
@@ -6925,10 +6852,9 @@
           </a:lstStyle>
           <a:p>
             <a:r>
-              <a:rPr lang="en-US" dirty="0" smtClean="0"/>
+              <a:rPr lang="en-US" dirty="0"/>
               <a:t>Click icon to add picture</a:t>
             </a:r>
-            <a:endParaRPr lang="en-US" dirty="0"/>
           </a:p>
         </p:txBody>
       </p:sp>
@@ -6948,10 +6874,9 @@
           <a:lstStyle/>
           <a:p>
             <a:r>
-              <a:rPr lang="en-US" dirty="0" smtClean="0"/>
+              <a:rPr lang="en-US" dirty="0"/>
               <a:t>Click to edit master title style</a:t>
             </a:r>
-            <a:endParaRPr lang="en-US" dirty="0"/>
           </a:p>
         </p:txBody>
       </p:sp>
@@ -7142,38 +7067,37 @@
           <a:p>
             <a:pPr lvl="0"/>
             <a:r>
-              <a:rPr lang="en-US" dirty="0" smtClean="0"/>
+              <a:rPr lang="en-US" dirty="0"/>
               <a:t>Use this Layout for Speaker Notes slides</a:t>
             </a:r>
           </a:p>
           <a:p>
             <a:pPr lvl="1"/>
             <a:r>
-              <a:rPr lang="en-US" dirty="0" smtClean="0"/>
+              <a:rPr lang="en-US" dirty="0"/>
               <a:t>Second level</a:t>
             </a:r>
           </a:p>
           <a:p>
             <a:pPr lvl="2"/>
             <a:r>
-              <a:rPr lang="en-US" dirty="0" smtClean="0"/>
+              <a:rPr lang="en-US" dirty="0"/>
               <a:t>Third level</a:t>
             </a:r>
           </a:p>
           <a:p>
             <a:pPr lvl="3"/>
             <a:r>
-              <a:rPr lang="en-US" dirty="0" smtClean="0"/>
+              <a:rPr lang="en-US" dirty="0"/>
               <a:t>Fourth level</a:t>
             </a:r>
           </a:p>
           <a:p>
             <a:pPr lvl="4"/>
             <a:r>
-              <a:rPr lang="en-US" dirty="0" smtClean="0"/>
+              <a:rPr lang="en-US" dirty="0"/>
               <a:t>Fifth level</a:t>
             </a:r>
-            <a:endParaRPr lang="en-US" dirty="0"/>
           </a:p>
         </p:txBody>
       </p:sp>
@@ -7229,7 +7153,7 @@
           <a:p>
             <a:pPr lvl="0"/>
             <a:r>
-              <a:rPr lang="en-US" dirty="0" smtClean="0"/>
+              <a:rPr lang="en-US" dirty="0"/>
               <a:t>Next:</a:t>
             </a:r>
           </a:p>
@@ -7270,7 +7194,7 @@
           </a:lstStyle>
           <a:p>
             <a:r>
-              <a:rPr lang="en-US" smtClean="0"/>
+              <a:rPr lang="en-US"/>
               <a:t>Click to edit Master title style</a:t>
             </a:r>
             <a:endParaRPr lang="en-US" dirty="0"/>
@@ -7464,38 +7388,37 @@
           <a:p>
             <a:pPr lvl="0"/>
             <a:r>
-              <a:rPr lang="en-US" dirty="0" smtClean="0"/>
+              <a:rPr lang="en-US" dirty="0"/>
               <a:t>Use this Layout for Speaker Notes slides</a:t>
             </a:r>
           </a:p>
           <a:p>
             <a:pPr lvl="1"/>
             <a:r>
-              <a:rPr lang="en-US" dirty="0" smtClean="0"/>
+              <a:rPr lang="en-US" dirty="0"/>
               <a:t>Second level</a:t>
             </a:r>
           </a:p>
           <a:p>
             <a:pPr lvl="2"/>
             <a:r>
-              <a:rPr lang="en-US" dirty="0" smtClean="0"/>
+              <a:rPr lang="en-US" dirty="0"/>
               <a:t>Third level</a:t>
             </a:r>
           </a:p>
           <a:p>
             <a:pPr lvl="3"/>
             <a:r>
-              <a:rPr lang="en-US" dirty="0" smtClean="0"/>
+              <a:rPr lang="en-US" dirty="0"/>
               <a:t>Fourth level</a:t>
             </a:r>
           </a:p>
           <a:p>
             <a:pPr lvl="4"/>
             <a:r>
-              <a:rPr lang="en-US" dirty="0" smtClean="0"/>
+              <a:rPr lang="en-US" dirty="0"/>
               <a:t>Fifth level</a:t>
             </a:r>
-            <a:endParaRPr lang="en-US" dirty="0"/>
           </a:p>
         </p:txBody>
       </p:sp>
@@ -7534,7 +7457,7 @@
           </a:lstStyle>
           <a:p>
             <a:r>
-              <a:rPr lang="en-US" smtClean="0"/>
+              <a:rPr lang="en-US"/>
               <a:t>Click to edit Master title style</a:t>
             </a:r>
             <a:endParaRPr lang="en-US" dirty="0"/>
@@ -7612,9 +7535,2225 @@
           </a:prstGeom>
         </p:spPr>
       </p:pic>
+      <p:graphicFrame>
+        <p:nvGraphicFramePr>
+          <p:cNvPr id="3" name="Table 2"/>
+          <p:cNvGraphicFramePr>
+            <a:graphicFrameLocks noGrp="1"/>
+          </p:cNvGraphicFramePr>
+          <p:nvPr userDrawn="1">
+            <p:extLst>
+              <p:ext uri="{D42A27DB-BD31-4B8C-83A1-F6EECF244321}">
+                <p14:modId xmlns:p14="http://schemas.microsoft.com/office/powerpoint/2010/main" val="839705672"/>
+              </p:ext>
+            </p:extLst>
+          </p:nvPr>
+        </p:nvGraphicFramePr>
+        <p:xfrm>
+          <a:off x="731837" y="1655872"/>
+          <a:ext cx="10972800" cy="5120640"/>
+        </p:xfrm>
+        <a:graphic>
+          <a:graphicData uri="http://schemas.openxmlformats.org/drawingml/2006/table">
+            <a:tbl>
+              <a:tblPr>
+                <a:tableStyleId>{5C22544A-7EE6-4342-B048-85BDC9FD1C3A}</a:tableStyleId>
+              </a:tblPr>
+              <a:tblGrid>
+                <a:gridCol w="2194560">
+                  <a:extLst>
+                    <a:ext uri="{9D8B030D-6E8A-4147-A177-3AD203B41FA5}">
+                      <a16:colId xmlns:a16="http://schemas.microsoft.com/office/drawing/2014/main" val="714248959"/>
+                    </a:ext>
+                  </a:extLst>
+                </a:gridCol>
+                <a:gridCol w="2194560">
+                  <a:extLst>
+                    <a:ext uri="{9D8B030D-6E8A-4147-A177-3AD203B41FA5}">
+                      <a16:colId xmlns:a16="http://schemas.microsoft.com/office/drawing/2014/main" val="3456172025"/>
+                    </a:ext>
+                  </a:extLst>
+                </a:gridCol>
+                <a:gridCol w="2194560">
+                  <a:extLst>
+                    <a:ext uri="{9D8B030D-6E8A-4147-A177-3AD203B41FA5}">
+                      <a16:colId xmlns:a16="http://schemas.microsoft.com/office/drawing/2014/main" val="4156970815"/>
+                    </a:ext>
+                  </a:extLst>
+                </a:gridCol>
+                <a:gridCol w="2194560">
+                  <a:extLst>
+                    <a:ext uri="{9D8B030D-6E8A-4147-A177-3AD203B41FA5}">
+                      <a16:colId xmlns:a16="http://schemas.microsoft.com/office/drawing/2014/main" val="1588856562"/>
+                    </a:ext>
+                  </a:extLst>
+                </a:gridCol>
+                <a:gridCol w="2194560">
+                  <a:extLst>
+                    <a:ext uri="{9D8B030D-6E8A-4147-A177-3AD203B41FA5}">
+                      <a16:colId xmlns:a16="http://schemas.microsoft.com/office/drawing/2014/main" val="3363909725"/>
+                    </a:ext>
+                  </a:extLst>
+                </a:gridCol>
+              </a:tblGrid>
+              <a:tr h="731520">
+                <a:tc>
+                  <a:txBody>
+                    <a:bodyPr/>
+                    <a:lstStyle/>
+                    <a:p>
+                      <a:r>
+                        <a:rPr lang="es-ES_tradnl" sz="1800" dirty="0">
+                          <a:solidFill>
+                            <a:srgbClr val="333333"/>
+                          </a:solidFill>
+                          <a:effectLst/>
+                          <a:latin typeface="Segoe UI" panose="020B0502040204020203" pitchFamily="34" charset="0"/>
+                          <a:ea typeface="Calibri" panose="020F0502020204030204" pitchFamily="34" charset="0"/>
+                        </a:rPr>
+                        <a:t>Patrocinadores</a:t>
+                      </a:r>
+                      <a:endParaRPr lang="es-ES_tradnl" dirty="0"/>
+                    </a:p>
+                  </a:txBody>
+                  <a:tcPr anchor="b">
+                    <a:lnL w="12700" cap="flat" cmpd="sng" algn="ctr">
+                      <a:noFill/>
+                      <a:prstDash val="solid"/>
+                      <a:round/>
+                      <a:headEnd type="none" w="med" len="med"/>
+                      <a:tailEnd type="none" w="med" len="med"/>
+                    </a:lnL>
+                    <a:lnR w="12700" cap="flat" cmpd="sng" algn="ctr">
+                      <a:noFill/>
+                      <a:prstDash val="solid"/>
+                      <a:round/>
+                      <a:headEnd type="none" w="med" len="med"/>
+                      <a:tailEnd type="none" w="med" len="med"/>
+                    </a:lnR>
+                    <a:lnT w="12700" cap="flat" cmpd="sng" algn="ctr">
+                      <a:noFill/>
+                      <a:prstDash val="solid"/>
+                      <a:round/>
+                      <a:headEnd type="none" w="med" len="med"/>
+                      <a:tailEnd type="none" w="med" len="med"/>
+                    </a:lnT>
+                    <a:lnB w="12700" cap="flat" cmpd="sng" algn="ctr">
+                      <a:noFill/>
+                      <a:prstDash val="solid"/>
+                      <a:round/>
+                      <a:headEnd type="none" w="med" len="med"/>
+                      <a:tailEnd type="none" w="med" len="med"/>
+                    </a:lnB>
+                    <a:lnTlToBr w="12700" cmpd="sng">
+                      <a:noFill/>
+                      <a:prstDash val="solid"/>
+                    </a:lnTlToBr>
+                    <a:lnBlToTr w="12700" cmpd="sng">
+                      <a:noFill/>
+                      <a:prstDash val="solid"/>
+                    </a:lnBlToTr>
+                    <a:noFill/>
+                  </a:tcPr>
+                </a:tc>
+                <a:tc>
+                  <a:txBody>
+                    <a:bodyPr/>
+                    <a:lstStyle/>
+                    <a:p>
+                      <a:endParaRPr lang="es-ES_tradnl" dirty="0"/>
+                    </a:p>
+                  </a:txBody>
+                  <a:tcPr>
+                    <a:lnL w="12700" cap="flat" cmpd="sng" algn="ctr">
+                      <a:noFill/>
+                      <a:prstDash val="solid"/>
+                      <a:round/>
+                      <a:headEnd type="none" w="med" len="med"/>
+                      <a:tailEnd type="none" w="med" len="med"/>
+                    </a:lnL>
+                    <a:lnR w="12700" cap="flat" cmpd="sng" algn="ctr">
+                      <a:noFill/>
+                      <a:prstDash val="solid"/>
+                      <a:round/>
+                      <a:headEnd type="none" w="med" len="med"/>
+                      <a:tailEnd type="none" w="med" len="med"/>
+                    </a:lnR>
+                    <a:lnT w="12700" cap="flat" cmpd="sng" algn="ctr">
+                      <a:noFill/>
+                      <a:prstDash val="solid"/>
+                      <a:round/>
+                      <a:headEnd type="none" w="med" len="med"/>
+                      <a:tailEnd type="none" w="med" len="med"/>
+                    </a:lnT>
+                    <a:lnB w="12700" cap="flat" cmpd="sng" algn="ctr">
+                      <a:noFill/>
+                      <a:prstDash val="solid"/>
+                      <a:round/>
+                      <a:headEnd type="none" w="med" len="med"/>
+                      <a:tailEnd type="none" w="med" len="med"/>
+                    </a:lnB>
+                    <a:lnTlToBr w="12700" cmpd="sng">
+                      <a:noFill/>
+                      <a:prstDash val="solid"/>
+                    </a:lnTlToBr>
+                    <a:lnBlToTr w="12700" cmpd="sng">
+                      <a:noFill/>
+                      <a:prstDash val="solid"/>
+                    </a:lnBlToTr>
+                    <a:noFill/>
+                  </a:tcPr>
+                </a:tc>
+                <a:tc>
+                  <a:txBody>
+                    <a:bodyPr/>
+                    <a:lstStyle/>
+                    <a:p>
+                      <a:endParaRPr lang="es-ES_tradnl" dirty="0"/>
+                    </a:p>
+                  </a:txBody>
+                  <a:tcPr>
+                    <a:lnL w="12700" cap="flat" cmpd="sng" algn="ctr">
+                      <a:noFill/>
+                      <a:prstDash val="solid"/>
+                      <a:round/>
+                      <a:headEnd type="none" w="med" len="med"/>
+                      <a:tailEnd type="none" w="med" len="med"/>
+                    </a:lnL>
+                    <a:lnR w="12700" cap="flat" cmpd="sng" algn="ctr">
+                      <a:noFill/>
+                      <a:prstDash val="solid"/>
+                      <a:round/>
+                      <a:headEnd type="none" w="med" len="med"/>
+                      <a:tailEnd type="none" w="med" len="med"/>
+                    </a:lnR>
+                    <a:lnT w="12700" cap="flat" cmpd="sng" algn="ctr">
+                      <a:noFill/>
+                      <a:prstDash val="solid"/>
+                      <a:round/>
+                      <a:headEnd type="none" w="med" len="med"/>
+                      <a:tailEnd type="none" w="med" len="med"/>
+                    </a:lnT>
+                    <a:lnB w="12700" cap="flat" cmpd="sng" algn="ctr">
+                      <a:noFill/>
+                      <a:prstDash val="solid"/>
+                      <a:round/>
+                      <a:headEnd type="none" w="med" len="med"/>
+                      <a:tailEnd type="none" w="med" len="med"/>
+                    </a:lnB>
+                    <a:lnTlToBr w="12700" cmpd="sng">
+                      <a:noFill/>
+                      <a:prstDash val="solid"/>
+                    </a:lnTlToBr>
+                    <a:lnBlToTr w="12700" cmpd="sng">
+                      <a:noFill/>
+                      <a:prstDash val="solid"/>
+                    </a:lnBlToTr>
+                    <a:noFill/>
+                  </a:tcPr>
+                </a:tc>
+                <a:tc>
+                  <a:txBody>
+                    <a:bodyPr/>
+                    <a:lstStyle/>
+                    <a:p>
+                      <a:endParaRPr lang="es-ES_tradnl" dirty="0"/>
+                    </a:p>
+                  </a:txBody>
+                  <a:tcPr>
+                    <a:lnL w="12700" cap="flat" cmpd="sng" algn="ctr">
+                      <a:noFill/>
+                      <a:prstDash val="solid"/>
+                      <a:round/>
+                      <a:headEnd type="none" w="med" len="med"/>
+                      <a:tailEnd type="none" w="med" len="med"/>
+                    </a:lnL>
+                    <a:lnR w="12700" cap="flat" cmpd="sng" algn="ctr">
+                      <a:noFill/>
+                      <a:prstDash val="solid"/>
+                      <a:round/>
+                      <a:headEnd type="none" w="med" len="med"/>
+                      <a:tailEnd type="none" w="med" len="med"/>
+                    </a:lnR>
+                    <a:lnT w="12700" cap="flat" cmpd="sng" algn="ctr">
+                      <a:noFill/>
+                      <a:prstDash val="solid"/>
+                      <a:round/>
+                      <a:headEnd type="none" w="med" len="med"/>
+                      <a:tailEnd type="none" w="med" len="med"/>
+                    </a:lnT>
+                    <a:lnB w="12700" cap="flat" cmpd="sng" algn="ctr">
+                      <a:noFill/>
+                      <a:prstDash val="solid"/>
+                      <a:round/>
+                      <a:headEnd type="none" w="med" len="med"/>
+                      <a:tailEnd type="none" w="med" len="med"/>
+                    </a:lnB>
+                    <a:lnTlToBr w="12700" cmpd="sng">
+                      <a:noFill/>
+                      <a:prstDash val="solid"/>
+                    </a:lnTlToBr>
+                    <a:lnBlToTr w="12700" cmpd="sng">
+                      <a:noFill/>
+                      <a:prstDash val="solid"/>
+                    </a:lnBlToTr>
+                    <a:noFill/>
+                  </a:tcPr>
+                </a:tc>
+                <a:tc>
+                  <a:txBody>
+                    <a:bodyPr/>
+                    <a:lstStyle/>
+                    <a:p>
+                      <a:endParaRPr lang="es-ES_tradnl" dirty="0"/>
+                    </a:p>
+                  </a:txBody>
+                  <a:tcPr>
+                    <a:lnL w="12700" cap="flat" cmpd="sng" algn="ctr">
+                      <a:noFill/>
+                      <a:prstDash val="solid"/>
+                      <a:round/>
+                      <a:headEnd type="none" w="med" len="med"/>
+                      <a:tailEnd type="none" w="med" len="med"/>
+                    </a:lnL>
+                    <a:lnR w="12700" cap="flat" cmpd="sng" algn="ctr">
+                      <a:noFill/>
+                      <a:prstDash val="solid"/>
+                      <a:round/>
+                      <a:headEnd type="none" w="med" len="med"/>
+                      <a:tailEnd type="none" w="med" len="med"/>
+                    </a:lnR>
+                    <a:lnT w="12700" cap="flat" cmpd="sng" algn="ctr">
+                      <a:noFill/>
+                      <a:prstDash val="solid"/>
+                      <a:round/>
+                      <a:headEnd type="none" w="med" len="med"/>
+                      <a:tailEnd type="none" w="med" len="med"/>
+                    </a:lnT>
+                    <a:lnB w="12700" cap="flat" cmpd="sng" algn="ctr">
+                      <a:noFill/>
+                      <a:prstDash val="solid"/>
+                      <a:round/>
+                      <a:headEnd type="none" w="med" len="med"/>
+                      <a:tailEnd type="none" w="med" len="med"/>
+                    </a:lnB>
+                    <a:lnTlToBr w="12700" cmpd="sng">
+                      <a:noFill/>
+                      <a:prstDash val="solid"/>
+                    </a:lnTlToBr>
+                    <a:lnBlToTr w="12700" cmpd="sng">
+                      <a:noFill/>
+                      <a:prstDash val="solid"/>
+                    </a:lnBlToTr>
+                    <a:noFill/>
+                  </a:tcPr>
+                </a:tc>
+                <a:extLst>
+                  <a:ext uri="{0D108BD9-81ED-4DB2-BD59-A6C34878D82A}">
+                    <a16:rowId xmlns:a16="http://schemas.microsoft.com/office/drawing/2014/main" val="1974552546"/>
+                  </a:ext>
+                </a:extLst>
+              </a:tr>
+              <a:tr h="731520">
+                <a:tc>
+                  <a:txBody>
+                    <a:bodyPr/>
+                    <a:lstStyle/>
+                    <a:p>
+                      <a:endParaRPr lang="es-ES_tradnl" dirty="0"/>
+                    </a:p>
+                  </a:txBody>
+                  <a:tcPr>
+                    <a:lnL w="12700" cap="flat" cmpd="sng" algn="ctr">
+                      <a:noFill/>
+                      <a:prstDash val="solid"/>
+                      <a:round/>
+                      <a:headEnd type="none" w="med" len="med"/>
+                      <a:tailEnd type="none" w="med" len="med"/>
+                    </a:lnL>
+                    <a:lnR w="12700" cap="flat" cmpd="sng" algn="ctr">
+                      <a:noFill/>
+                      <a:prstDash val="solid"/>
+                      <a:round/>
+                      <a:headEnd type="none" w="med" len="med"/>
+                      <a:tailEnd type="none" w="med" len="med"/>
+                    </a:lnR>
+                    <a:lnT w="12700" cap="flat" cmpd="sng" algn="ctr">
+                      <a:noFill/>
+                      <a:prstDash val="solid"/>
+                      <a:round/>
+                      <a:headEnd type="none" w="med" len="med"/>
+                      <a:tailEnd type="none" w="med" len="med"/>
+                    </a:lnT>
+                    <a:lnB w="12700" cap="flat" cmpd="sng" algn="ctr">
+                      <a:noFill/>
+                      <a:prstDash val="solid"/>
+                      <a:round/>
+                      <a:headEnd type="none" w="med" len="med"/>
+                      <a:tailEnd type="none" w="med" len="med"/>
+                    </a:lnB>
+                    <a:lnTlToBr w="12700" cmpd="sng">
+                      <a:noFill/>
+                      <a:prstDash val="solid"/>
+                    </a:lnTlToBr>
+                    <a:lnBlToTr w="12700" cmpd="sng">
+                      <a:noFill/>
+                      <a:prstDash val="solid"/>
+                    </a:lnBlToTr>
+                    <a:noFill/>
+                  </a:tcPr>
+                </a:tc>
+                <a:tc>
+                  <a:txBody>
+                    <a:bodyPr/>
+                    <a:lstStyle/>
+                    <a:p>
+                      <a:endParaRPr lang="es-ES_tradnl" dirty="0"/>
+                    </a:p>
+                  </a:txBody>
+                  <a:tcPr>
+                    <a:lnL w="12700" cap="flat" cmpd="sng" algn="ctr">
+                      <a:noFill/>
+                      <a:prstDash val="solid"/>
+                      <a:round/>
+                      <a:headEnd type="none" w="med" len="med"/>
+                      <a:tailEnd type="none" w="med" len="med"/>
+                    </a:lnL>
+                    <a:lnR w="12700" cap="flat" cmpd="sng" algn="ctr">
+                      <a:noFill/>
+                      <a:prstDash val="solid"/>
+                      <a:round/>
+                      <a:headEnd type="none" w="med" len="med"/>
+                      <a:tailEnd type="none" w="med" len="med"/>
+                    </a:lnR>
+                    <a:lnT w="12700" cap="flat" cmpd="sng" algn="ctr">
+                      <a:noFill/>
+                      <a:prstDash val="solid"/>
+                      <a:round/>
+                      <a:headEnd type="none" w="med" len="med"/>
+                      <a:tailEnd type="none" w="med" len="med"/>
+                    </a:lnT>
+                    <a:lnB w="12700" cap="flat" cmpd="sng" algn="ctr">
+                      <a:noFill/>
+                      <a:prstDash val="solid"/>
+                      <a:round/>
+                      <a:headEnd type="none" w="med" len="med"/>
+                      <a:tailEnd type="none" w="med" len="med"/>
+                    </a:lnB>
+                    <a:lnTlToBr w="12700" cmpd="sng">
+                      <a:noFill/>
+                      <a:prstDash val="solid"/>
+                    </a:lnTlToBr>
+                    <a:lnBlToTr w="12700" cmpd="sng">
+                      <a:noFill/>
+                      <a:prstDash val="solid"/>
+                    </a:lnBlToTr>
+                    <a:noFill/>
+                  </a:tcPr>
+                </a:tc>
+                <a:tc>
+                  <a:txBody>
+                    <a:bodyPr/>
+                    <a:lstStyle/>
+                    <a:p>
+                      <a:endParaRPr lang="es-ES_tradnl" dirty="0"/>
+                    </a:p>
+                  </a:txBody>
+                  <a:tcPr>
+                    <a:lnL w="12700" cap="flat" cmpd="sng" algn="ctr">
+                      <a:noFill/>
+                      <a:prstDash val="solid"/>
+                      <a:round/>
+                      <a:headEnd type="none" w="med" len="med"/>
+                      <a:tailEnd type="none" w="med" len="med"/>
+                    </a:lnL>
+                    <a:lnR w="12700" cap="flat" cmpd="sng" algn="ctr">
+                      <a:noFill/>
+                      <a:prstDash val="solid"/>
+                      <a:round/>
+                      <a:headEnd type="none" w="med" len="med"/>
+                      <a:tailEnd type="none" w="med" len="med"/>
+                    </a:lnR>
+                    <a:lnT w="12700" cap="flat" cmpd="sng" algn="ctr">
+                      <a:noFill/>
+                      <a:prstDash val="solid"/>
+                      <a:round/>
+                      <a:headEnd type="none" w="med" len="med"/>
+                      <a:tailEnd type="none" w="med" len="med"/>
+                    </a:lnT>
+                    <a:lnB w="12700" cap="flat" cmpd="sng" algn="ctr">
+                      <a:noFill/>
+                      <a:prstDash val="solid"/>
+                      <a:round/>
+                      <a:headEnd type="none" w="med" len="med"/>
+                      <a:tailEnd type="none" w="med" len="med"/>
+                    </a:lnB>
+                    <a:lnTlToBr w="12700" cmpd="sng">
+                      <a:noFill/>
+                      <a:prstDash val="solid"/>
+                    </a:lnTlToBr>
+                    <a:lnBlToTr w="12700" cmpd="sng">
+                      <a:noFill/>
+                      <a:prstDash val="solid"/>
+                    </a:lnBlToTr>
+                    <a:noFill/>
+                  </a:tcPr>
+                </a:tc>
+                <a:tc>
+                  <a:txBody>
+                    <a:bodyPr/>
+                    <a:lstStyle/>
+                    <a:p>
+                      <a:endParaRPr lang="es-ES_tradnl" dirty="0"/>
+                    </a:p>
+                  </a:txBody>
+                  <a:tcPr>
+                    <a:lnL w="12700" cap="flat" cmpd="sng" algn="ctr">
+                      <a:noFill/>
+                      <a:prstDash val="solid"/>
+                      <a:round/>
+                      <a:headEnd type="none" w="med" len="med"/>
+                      <a:tailEnd type="none" w="med" len="med"/>
+                    </a:lnL>
+                    <a:lnR w="12700" cap="flat" cmpd="sng" algn="ctr">
+                      <a:noFill/>
+                      <a:prstDash val="solid"/>
+                      <a:round/>
+                      <a:headEnd type="none" w="med" len="med"/>
+                      <a:tailEnd type="none" w="med" len="med"/>
+                    </a:lnR>
+                    <a:lnT w="12700" cap="flat" cmpd="sng" algn="ctr">
+                      <a:noFill/>
+                      <a:prstDash val="solid"/>
+                      <a:round/>
+                      <a:headEnd type="none" w="med" len="med"/>
+                      <a:tailEnd type="none" w="med" len="med"/>
+                    </a:lnT>
+                    <a:lnB w="12700" cap="flat" cmpd="sng" algn="ctr">
+                      <a:noFill/>
+                      <a:prstDash val="solid"/>
+                      <a:round/>
+                      <a:headEnd type="none" w="med" len="med"/>
+                      <a:tailEnd type="none" w="med" len="med"/>
+                    </a:lnB>
+                    <a:lnTlToBr w="12700" cmpd="sng">
+                      <a:noFill/>
+                      <a:prstDash val="solid"/>
+                    </a:lnTlToBr>
+                    <a:lnBlToTr w="12700" cmpd="sng">
+                      <a:noFill/>
+                      <a:prstDash val="solid"/>
+                    </a:lnBlToTr>
+                    <a:noFill/>
+                  </a:tcPr>
+                </a:tc>
+                <a:tc>
+                  <a:txBody>
+                    <a:bodyPr/>
+                    <a:lstStyle/>
+                    <a:p>
+                      <a:endParaRPr lang="es-ES_tradnl" dirty="0"/>
+                    </a:p>
+                  </a:txBody>
+                  <a:tcPr>
+                    <a:lnL w="12700" cap="flat" cmpd="sng" algn="ctr">
+                      <a:noFill/>
+                      <a:prstDash val="solid"/>
+                      <a:round/>
+                      <a:headEnd type="none" w="med" len="med"/>
+                      <a:tailEnd type="none" w="med" len="med"/>
+                    </a:lnL>
+                    <a:lnR w="12700" cap="flat" cmpd="sng" algn="ctr">
+                      <a:noFill/>
+                      <a:prstDash val="solid"/>
+                      <a:round/>
+                      <a:headEnd type="none" w="med" len="med"/>
+                      <a:tailEnd type="none" w="med" len="med"/>
+                    </a:lnR>
+                    <a:lnT w="12700" cap="flat" cmpd="sng" algn="ctr">
+                      <a:noFill/>
+                      <a:prstDash val="solid"/>
+                      <a:round/>
+                      <a:headEnd type="none" w="med" len="med"/>
+                      <a:tailEnd type="none" w="med" len="med"/>
+                    </a:lnT>
+                    <a:lnB w="12700" cap="flat" cmpd="sng" algn="ctr">
+                      <a:noFill/>
+                      <a:prstDash val="solid"/>
+                      <a:round/>
+                      <a:headEnd type="none" w="med" len="med"/>
+                      <a:tailEnd type="none" w="med" len="med"/>
+                    </a:lnB>
+                    <a:lnTlToBr w="12700" cmpd="sng">
+                      <a:noFill/>
+                      <a:prstDash val="solid"/>
+                    </a:lnTlToBr>
+                    <a:lnBlToTr w="12700" cmpd="sng">
+                      <a:noFill/>
+                      <a:prstDash val="solid"/>
+                    </a:lnBlToTr>
+                    <a:noFill/>
+                  </a:tcPr>
+                </a:tc>
+                <a:extLst>
+                  <a:ext uri="{0D108BD9-81ED-4DB2-BD59-A6C34878D82A}">
+                    <a16:rowId xmlns:a16="http://schemas.microsoft.com/office/drawing/2014/main" val="797496020"/>
+                  </a:ext>
+                </a:extLst>
+              </a:tr>
+              <a:tr h="731520">
+                <a:tc>
+                  <a:txBody>
+                    <a:bodyPr/>
+                    <a:lstStyle/>
+                    <a:p>
+                      <a:endParaRPr lang="es-ES_tradnl" dirty="0"/>
+                    </a:p>
+                  </a:txBody>
+                  <a:tcPr>
+                    <a:lnL w="12700" cap="flat" cmpd="sng" algn="ctr">
+                      <a:noFill/>
+                      <a:prstDash val="solid"/>
+                      <a:round/>
+                      <a:headEnd type="none" w="med" len="med"/>
+                      <a:tailEnd type="none" w="med" len="med"/>
+                    </a:lnL>
+                    <a:lnR w="12700" cap="flat" cmpd="sng" algn="ctr">
+                      <a:noFill/>
+                      <a:prstDash val="solid"/>
+                      <a:round/>
+                      <a:headEnd type="none" w="med" len="med"/>
+                      <a:tailEnd type="none" w="med" len="med"/>
+                    </a:lnR>
+                    <a:lnT w="12700" cap="flat" cmpd="sng" algn="ctr">
+                      <a:noFill/>
+                      <a:prstDash val="solid"/>
+                      <a:round/>
+                      <a:headEnd type="none" w="med" len="med"/>
+                      <a:tailEnd type="none" w="med" len="med"/>
+                    </a:lnT>
+                    <a:lnB w="12700" cap="flat" cmpd="sng" algn="ctr">
+                      <a:noFill/>
+                      <a:prstDash val="solid"/>
+                      <a:round/>
+                      <a:headEnd type="none" w="med" len="med"/>
+                      <a:tailEnd type="none" w="med" len="med"/>
+                    </a:lnB>
+                    <a:lnTlToBr w="12700" cmpd="sng">
+                      <a:noFill/>
+                      <a:prstDash val="solid"/>
+                    </a:lnTlToBr>
+                    <a:lnBlToTr w="12700" cmpd="sng">
+                      <a:noFill/>
+                      <a:prstDash val="solid"/>
+                    </a:lnBlToTr>
+                    <a:noFill/>
+                  </a:tcPr>
+                </a:tc>
+                <a:tc>
+                  <a:txBody>
+                    <a:bodyPr/>
+                    <a:lstStyle/>
+                    <a:p>
+                      <a:endParaRPr lang="es-ES_tradnl" dirty="0"/>
+                    </a:p>
+                  </a:txBody>
+                  <a:tcPr>
+                    <a:lnL w="12700" cap="flat" cmpd="sng" algn="ctr">
+                      <a:noFill/>
+                      <a:prstDash val="solid"/>
+                      <a:round/>
+                      <a:headEnd type="none" w="med" len="med"/>
+                      <a:tailEnd type="none" w="med" len="med"/>
+                    </a:lnL>
+                    <a:lnR w="12700" cap="flat" cmpd="sng" algn="ctr">
+                      <a:noFill/>
+                      <a:prstDash val="solid"/>
+                      <a:round/>
+                      <a:headEnd type="none" w="med" len="med"/>
+                      <a:tailEnd type="none" w="med" len="med"/>
+                    </a:lnR>
+                    <a:lnT w="12700" cap="flat" cmpd="sng" algn="ctr">
+                      <a:noFill/>
+                      <a:prstDash val="solid"/>
+                      <a:round/>
+                      <a:headEnd type="none" w="med" len="med"/>
+                      <a:tailEnd type="none" w="med" len="med"/>
+                    </a:lnT>
+                    <a:lnB w="12700" cap="flat" cmpd="sng" algn="ctr">
+                      <a:noFill/>
+                      <a:prstDash val="solid"/>
+                      <a:round/>
+                      <a:headEnd type="none" w="med" len="med"/>
+                      <a:tailEnd type="none" w="med" len="med"/>
+                    </a:lnB>
+                    <a:lnTlToBr w="12700" cmpd="sng">
+                      <a:noFill/>
+                      <a:prstDash val="solid"/>
+                    </a:lnTlToBr>
+                    <a:lnBlToTr w="12700" cmpd="sng">
+                      <a:noFill/>
+                      <a:prstDash val="solid"/>
+                    </a:lnBlToTr>
+                    <a:noFill/>
+                  </a:tcPr>
+                </a:tc>
+                <a:tc>
+                  <a:txBody>
+                    <a:bodyPr/>
+                    <a:lstStyle/>
+                    <a:p>
+                      <a:endParaRPr lang="es-ES_tradnl" dirty="0"/>
+                    </a:p>
+                  </a:txBody>
+                  <a:tcPr>
+                    <a:lnL w="12700" cap="flat" cmpd="sng" algn="ctr">
+                      <a:noFill/>
+                      <a:prstDash val="solid"/>
+                      <a:round/>
+                      <a:headEnd type="none" w="med" len="med"/>
+                      <a:tailEnd type="none" w="med" len="med"/>
+                    </a:lnL>
+                    <a:lnR w="12700" cap="flat" cmpd="sng" algn="ctr">
+                      <a:noFill/>
+                      <a:prstDash val="solid"/>
+                      <a:round/>
+                      <a:headEnd type="none" w="med" len="med"/>
+                      <a:tailEnd type="none" w="med" len="med"/>
+                    </a:lnR>
+                    <a:lnT w="12700" cap="flat" cmpd="sng" algn="ctr">
+                      <a:noFill/>
+                      <a:prstDash val="solid"/>
+                      <a:round/>
+                      <a:headEnd type="none" w="med" len="med"/>
+                      <a:tailEnd type="none" w="med" len="med"/>
+                    </a:lnT>
+                    <a:lnB w="12700" cap="flat" cmpd="sng" algn="ctr">
+                      <a:noFill/>
+                      <a:prstDash val="solid"/>
+                      <a:round/>
+                      <a:headEnd type="none" w="med" len="med"/>
+                      <a:tailEnd type="none" w="med" len="med"/>
+                    </a:lnB>
+                    <a:lnTlToBr w="12700" cmpd="sng">
+                      <a:noFill/>
+                      <a:prstDash val="solid"/>
+                    </a:lnTlToBr>
+                    <a:lnBlToTr w="12700" cmpd="sng">
+                      <a:noFill/>
+                      <a:prstDash val="solid"/>
+                    </a:lnBlToTr>
+                    <a:noFill/>
+                  </a:tcPr>
+                </a:tc>
+                <a:tc>
+                  <a:txBody>
+                    <a:bodyPr/>
+                    <a:lstStyle/>
+                    <a:p>
+                      <a:endParaRPr lang="es-ES_tradnl" dirty="0"/>
+                    </a:p>
+                  </a:txBody>
+                  <a:tcPr>
+                    <a:lnL w="12700" cap="flat" cmpd="sng" algn="ctr">
+                      <a:noFill/>
+                      <a:prstDash val="solid"/>
+                      <a:round/>
+                      <a:headEnd type="none" w="med" len="med"/>
+                      <a:tailEnd type="none" w="med" len="med"/>
+                    </a:lnL>
+                    <a:lnR w="12700" cap="flat" cmpd="sng" algn="ctr">
+                      <a:noFill/>
+                      <a:prstDash val="solid"/>
+                      <a:round/>
+                      <a:headEnd type="none" w="med" len="med"/>
+                      <a:tailEnd type="none" w="med" len="med"/>
+                    </a:lnR>
+                    <a:lnT w="12700" cap="flat" cmpd="sng" algn="ctr">
+                      <a:noFill/>
+                      <a:prstDash val="solid"/>
+                      <a:round/>
+                      <a:headEnd type="none" w="med" len="med"/>
+                      <a:tailEnd type="none" w="med" len="med"/>
+                    </a:lnT>
+                    <a:lnB w="12700" cap="flat" cmpd="sng" algn="ctr">
+                      <a:noFill/>
+                      <a:prstDash val="solid"/>
+                      <a:round/>
+                      <a:headEnd type="none" w="med" len="med"/>
+                      <a:tailEnd type="none" w="med" len="med"/>
+                    </a:lnB>
+                    <a:lnTlToBr w="12700" cmpd="sng">
+                      <a:noFill/>
+                      <a:prstDash val="solid"/>
+                    </a:lnTlToBr>
+                    <a:lnBlToTr w="12700" cmpd="sng">
+                      <a:noFill/>
+                      <a:prstDash val="solid"/>
+                    </a:lnBlToTr>
+                    <a:noFill/>
+                  </a:tcPr>
+                </a:tc>
+                <a:tc>
+                  <a:txBody>
+                    <a:bodyPr/>
+                    <a:lstStyle/>
+                    <a:p>
+                      <a:endParaRPr lang="es-ES_tradnl"/>
+                    </a:p>
+                  </a:txBody>
+                  <a:tcPr>
+                    <a:lnL w="12700" cap="flat" cmpd="sng" algn="ctr">
+                      <a:noFill/>
+                      <a:prstDash val="solid"/>
+                      <a:round/>
+                      <a:headEnd type="none" w="med" len="med"/>
+                      <a:tailEnd type="none" w="med" len="med"/>
+                    </a:lnL>
+                    <a:lnR w="12700" cap="flat" cmpd="sng" algn="ctr">
+                      <a:noFill/>
+                      <a:prstDash val="solid"/>
+                      <a:round/>
+                      <a:headEnd type="none" w="med" len="med"/>
+                      <a:tailEnd type="none" w="med" len="med"/>
+                    </a:lnR>
+                    <a:lnT w="12700" cap="flat" cmpd="sng" algn="ctr">
+                      <a:noFill/>
+                      <a:prstDash val="solid"/>
+                      <a:round/>
+                      <a:headEnd type="none" w="med" len="med"/>
+                      <a:tailEnd type="none" w="med" len="med"/>
+                    </a:lnT>
+                    <a:lnB w="12700" cap="flat" cmpd="sng" algn="ctr">
+                      <a:noFill/>
+                      <a:prstDash val="solid"/>
+                      <a:round/>
+                      <a:headEnd type="none" w="med" len="med"/>
+                      <a:tailEnd type="none" w="med" len="med"/>
+                    </a:lnB>
+                    <a:lnTlToBr w="12700" cmpd="sng">
+                      <a:noFill/>
+                      <a:prstDash val="solid"/>
+                    </a:lnTlToBr>
+                    <a:lnBlToTr w="12700" cmpd="sng">
+                      <a:noFill/>
+                      <a:prstDash val="solid"/>
+                    </a:lnBlToTr>
+                    <a:noFill/>
+                  </a:tcPr>
+                </a:tc>
+                <a:extLst>
+                  <a:ext uri="{0D108BD9-81ED-4DB2-BD59-A6C34878D82A}">
+                    <a16:rowId xmlns:a16="http://schemas.microsoft.com/office/drawing/2014/main" val="2572634805"/>
+                  </a:ext>
+                </a:extLst>
+              </a:tr>
+              <a:tr h="731520">
+                <a:tc>
+                  <a:txBody>
+                    <a:bodyPr/>
+                    <a:lstStyle/>
+                    <a:p>
+                      <a:r>
+                        <a:rPr lang="es-ES_tradnl" sz="1800" kern="1200" dirty="0">
+                          <a:solidFill>
+                            <a:schemeClr val="dk1"/>
+                          </a:solidFill>
+                          <a:effectLst/>
+                          <a:latin typeface="+mn-lt"/>
+                          <a:ea typeface="+mn-ea"/>
+                          <a:cs typeface="+mn-cs"/>
+                        </a:rPr>
+                        <a:t>Colaboradores</a:t>
+                      </a:r>
+                      <a:endParaRPr lang="es-ES_tradnl" dirty="0"/>
+                    </a:p>
+                  </a:txBody>
+                  <a:tcPr anchor="b">
+                    <a:lnL w="12700" cap="flat" cmpd="sng" algn="ctr">
+                      <a:noFill/>
+                      <a:prstDash val="solid"/>
+                      <a:round/>
+                      <a:headEnd type="none" w="med" len="med"/>
+                      <a:tailEnd type="none" w="med" len="med"/>
+                    </a:lnL>
+                    <a:lnR w="12700" cap="flat" cmpd="sng" algn="ctr">
+                      <a:noFill/>
+                      <a:prstDash val="solid"/>
+                      <a:round/>
+                      <a:headEnd type="none" w="med" len="med"/>
+                      <a:tailEnd type="none" w="med" len="med"/>
+                    </a:lnR>
+                    <a:lnT w="12700" cap="flat" cmpd="sng" algn="ctr">
+                      <a:noFill/>
+                      <a:prstDash val="solid"/>
+                      <a:round/>
+                      <a:headEnd type="none" w="med" len="med"/>
+                      <a:tailEnd type="none" w="med" len="med"/>
+                    </a:lnT>
+                    <a:lnB w="12700" cap="flat" cmpd="sng" algn="ctr">
+                      <a:noFill/>
+                      <a:prstDash val="solid"/>
+                      <a:round/>
+                      <a:headEnd type="none" w="med" len="med"/>
+                      <a:tailEnd type="none" w="med" len="med"/>
+                    </a:lnB>
+                    <a:lnTlToBr w="12700" cmpd="sng">
+                      <a:noFill/>
+                      <a:prstDash val="solid"/>
+                    </a:lnTlToBr>
+                    <a:lnBlToTr w="12700" cmpd="sng">
+                      <a:noFill/>
+                      <a:prstDash val="solid"/>
+                    </a:lnBlToTr>
+                    <a:noFill/>
+                  </a:tcPr>
+                </a:tc>
+                <a:tc>
+                  <a:txBody>
+                    <a:bodyPr/>
+                    <a:lstStyle/>
+                    <a:p>
+                      <a:endParaRPr lang="es-ES_tradnl" dirty="0"/>
+                    </a:p>
+                  </a:txBody>
+                  <a:tcPr>
+                    <a:lnL w="12700" cap="flat" cmpd="sng" algn="ctr">
+                      <a:noFill/>
+                      <a:prstDash val="solid"/>
+                      <a:round/>
+                      <a:headEnd type="none" w="med" len="med"/>
+                      <a:tailEnd type="none" w="med" len="med"/>
+                    </a:lnL>
+                    <a:lnR w="12700" cap="flat" cmpd="sng" algn="ctr">
+                      <a:noFill/>
+                      <a:prstDash val="solid"/>
+                      <a:round/>
+                      <a:headEnd type="none" w="med" len="med"/>
+                      <a:tailEnd type="none" w="med" len="med"/>
+                    </a:lnR>
+                    <a:lnT w="12700" cap="flat" cmpd="sng" algn="ctr">
+                      <a:noFill/>
+                      <a:prstDash val="solid"/>
+                      <a:round/>
+                      <a:headEnd type="none" w="med" len="med"/>
+                      <a:tailEnd type="none" w="med" len="med"/>
+                    </a:lnT>
+                    <a:lnB w="12700" cap="flat" cmpd="sng" algn="ctr">
+                      <a:noFill/>
+                      <a:prstDash val="solid"/>
+                      <a:round/>
+                      <a:headEnd type="none" w="med" len="med"/>
+                      <a:tailEnd type="none" w="med" len="med"/>
+                    </a:lnB>
+                    <a:lnTlToBr w="12700" cmpd="sng">
+                      <a:noFill/>
+                      <a:prstDash val="solid"/>
+                    </a:lnTlToBr>
+                    <a:lnBlToTr w="12700" cmpd="sng">
+                      <a:noFill/>
+                      <a:prstDash val="solid"/>
+                    </a:lnBlToTr>
+                    <a:noFill/>
+                  </a:tcPr>
+                </a:tc>
+                <a:tc>
+                  <a:txBody>
+                    <a:bodyPr/>
+                    <a:lstStyle/>
+                    <a:p>
+                      <a:endParaRPr lang="es-ES_tradnl" dirty="0"/>
+                    </a:p>
+                  </a:txBody>
+                  <a:tcPr>
+                    <a:lnL w="12700" cap="flat" cmpd="sng" algn="ctr">
+                      <a:noFill/>
+                      <a:prstDash val="solid"/>
+                      <a:round/>
+                      <a:headEnd type="none" w="med" len="med"/>
+                      <a:tailEnd type="none" w="med" len="med"/>
+                    </a:lnL>
+                    <a:lnR w="12700" cap="flat" cmpd="sng" algn="ctr">
+                      <a:noFill/>
+                      <a:prstDash val="solid"/>
+                      <a:round/>
+                      <a:headEnd type="none" w="med" len="med"/>
+                      <a:tailEnd type="none" w="med" len="med"/>
+                    </a:lnR>
+                    <a:lnT w="12700" cap="flat" cmpd="sng" algn="ctr">
+                      <a:noFill/>
+                      <a:prstDash val="solid"/>
+                      <a:round/>
+                      <a:headEnd type="none" w="med" len="med"/>
+                      <a:tailEnd type="none" w="med" len="med"/>
+                    </a:lnT>
+                    <a:lnB w="12700" cap="flat" cmpd="sng" algn="ctr">
+                      <a:noFill/>
+                      <a:prstDash val="solid"/>
+                      <a:round/>
+                      <a:headEnd type="none" w="med" len="med"/>
+                      <a:tailEnd type="none" w="med" len="med"/>
+                    </a:lnB>
+                    <a:lnTlToBr w="12700" cmpd="sng">
+                      <a:noFill/>
+                      <a:prstDash val="solid"/>
+                    </a:lnTlToBr>
+                    <a:lnBlToTr w="12700" cmpd="sng">
+                      <a:noFill/>
+                      <a:prstDash val="solid"/>
+                    </a:lnBlToTr>
+                    <a:noFill/>
+                  </a:tcPr>
+                </a:tc>
+                <a:tc>
+                  <a:txBody>
+                    <a:bodyPr/>
+                    <a:lstStyle/>
+                    <a:p>
+                      <a:endParaRPr lang="es-ES_tradnl" dirty="0"/>
+                    </a:p>
+                  </a:txBody>
+                  <a:tcPr>
+                    <a:lnL w="12700" cap="flat" cmpd="sng" algn="ctr">
+                      <a:noFill/>
+                      <a:prstDash val="solid"/>
+                      <a:round/>
+                      <a:headEnd type="none" w="med" len="med"/>
+                      <a:tailEnd type="none" w="med" len="med"/>
+                    </a:lnL>
+                    <a:lnR w="12700" cap="flat" cmpd="sng" algn="ctr">
+                      <a:noFill/>
+                      <a:prstDash val="solid"/>
+                      <a:round/>
+                      <a:headEnd type="none" w="med" len="med"/>
+                      <a:tailEnd type="none" w="med" len="med"/>
+                    </a:lnR>
+                    <a:lnT w="12700" cap="flat" cmpd="sng" algn="ctr">
+                      <a:noFill/>
+                      <a:prstDash val="solid"/>
+                      <a:round/>
+                      <a:headEnd type="none" w="med" len="med"/>
+                      <a:tailEnd type="none" w="med" len="med"/>
+                    </a:lnT>
+                    <a:lnB w="12700" cap="flat" cmpd="sng" algn="ctr">
+                      <a:noFill/>
+                      <a:prstDash val="solid"/>
+                      <a:round/>
+                      <a:headEnd type="none" w="med" len="med"/>
+                      <a:tailEnd type="none" w="med" len="med"/>
+                    </a:lnB>
+                    <a:lnTlToBr w="12700" cmpd="sng">
+                      <a:noFill/>
+                      <a:prstDash val="solid"/>
+                    </a:lnTlToBr>
+                    <a:lnBlToTr w="12700" cmpd="sng">
+                      <a:noFill/>
+                      <a:prstDash val="solid"/>
+                    </a:lnBlToTr>
+                    <a:noFill/>
+                  </a:tcPr>
+                </a:tc>
+                <a:tc>
+                  <a:txBody>
+                    <a:bodyPr/>
+                    <a:lstStyle/>
+                    <a:p>
+                      <a:endParaRPr lang="es-ES_tradnl" dirty="0"/>
+                    </a:p>
+                  </a:txBody>
+                  <a:tcPr>
+                    <a:lnL w="12700" cap="flat" cmpd="sng" algn="ctr">
+                      <a:noFill/>
+                      <a:prstDash val="solid"/>
+                      <a:round/>
+                      <a:headEnd type="none" w="med" len="med"/>
+                      <a:tailEnd type="none" w="med" len="med"/>
+                    </a:lnL>
+                    <a:lnR w="12700" cap="flat" cmpd="sng" algn="ctr">
+                      <a:noFill/>
+                      <a:prstDash val="solid"/>
+                      <a:round/>
+                      <a:headEnd type="none" w="med" len="med"/>
+                      <a:tailEnd type="none" w="med" len="med"/>
+                    </a:lnR>
+                    <a:lnT w="12700" cap="flat" cmpd="sng" algn="ctr">
+                      <a:noFill/>
+                      <a:prstDash val="solid"/>
+                      <a:round/>
+                      <a:headEnd type="none" w="med" len="med"/>
+                      <a:tailEnd type="none" w="med" len="med"/>
+                    </a:lnT>
+                    <a:lnB w="12700" cap="flat" cmpd="sng" algn="ctr">
+                      <a:noFill/>
+                      <a:prstDash val="solid"/>
+                      <a:round/>
+                      <a:headEnd type="none" w="med" len="med"/>
+                      <a:tailEnd type="none" w="med" len="med"/>
+                    </a:lnB>
+                    <a:lnTlToBr w="12700" cmpd="sng">
+                      <a:noFill/>
+                      <a:prstDash val="solid"/>
+                    </a:lnTlToBr>
+                    <a:lnBlToTr w="12700" cmpd="sng">
+                      <a:noFill/>
+                      <a:prstDash val="solid"/>
+                    </a:lnBlToTr>
+                    <a:noFill/>
+                  </a:tcPr>
+                </a:tc>
+                <a:extLst>
+                  <a:ext uri="{0D108BD9-81ED-4DB2-BD59-A6C34878D82A}">
+                    <a16:rowId xmlns:a16="http://schemas.microsoft.com/office/drawing/2014/main" val="3078093982"/>
+                  </a:ext>
+                </a:extLst>
+              </a:tr>
+              <a:tr h="731520">
+                <a:tc>
+                  <a:txBody>
+                    <a:bodyPr/>
+                    <a:lstStyle/>
+                    <a:p>
+                      <a:endParaRPr lang="es-ES_tradnl"/>
+                    </a:p>
+                  </a:txBody>
+                  <a:tcPr>
+                    <a:lnL w="12700" cap="flat" cmpd="sng" algn="ctr">
+                      <a:noFill/>
+                      <a:prstDash val="solid"/>
+                      <a:round/>
+                      <a:headEnd type="none" w="med" len="med"/>
+                      <a:tailEnd type="none" w="med" len="med"/>
+                    </a:lnL>
+                    <a:lnR w="12700" cap="flat" cmpd="sng" algn="ctr">
+                      <a:noFill/>
+                      <a:prstDash val="solid"/>
+                      <a:round/>
+                      <a:headEnd type="none" w="med" len="med"/>
+                      <a:tailEnd type="none" w="med" len="med"/>
+                    </a:lnR>
+                    <a:lnT w="12700" cap="flat" cmpd="sng" algn="ctr">
+                      <a:noFill/>
+                      <a:prstDash val="solid"/>
+                      <a:round/>
+                      <a:headEnd type="none" w="med" len="med"/>
+                      <a:tailEnd type="none" w="med" len="med"/>
+                    </a:lnT>
+                    <a:lnB w="12700" cap="flat" cmpd="sng" algn="ctr">
+                      <a:noFill/>
+                      <a:prstDash val="solid"/>
+                      <a:round/>
+                      <a:headEnd type="none" w="med" len="med"/>
+                      <a:tailEnd type="none" w="med" len="med"/>
+                    </a:lnB>
+                    <a:lnTlToBr w="12700" cmpd="sng">
+                      <a:noFill/>
+                      <a:prstDash val="solid"/>
+                    </a:lnTlToBr>
+                    <a:lnBlToTr w="12700" cmpd="sng">
+                      <a:noFill/>
+                      <a:prstDash val="solid"/>
+                    </a:lnBlToTr>
+                    <a:noFill/>
+                  </a:tcPr>
+                </a:tc>
+                <a:tc>
+                  <a:txBody>
+                    <a:bodyPr/>
+                    <a:lstStyle/>
+                    <a:p>
+                      <a:endParaRPr lang="es-ES_tradnl"/>
+                    </a:p>
+                  </a:txBody>
+                  <a:tcPr>
+                    <a:lnL w="12700" cap="flat" cmpd="sng" algn="ctr">
+                      <a:noFill/>
+                      <a:prstDash val="solid"/>
+                      <a:round/>
+                      <a:headEnd type="none" w="med" len="med"/>
+                      <a:tailEnd type="none" w="med" len="med"/>
+                    </a:lnL>
+                    <a:lnR w="12700" cap="flat" cmpd="sng" algn="ctr">
+                      <a:noFill/>
+                      <a:prstDash val="solid"/>
+                      <a:round/>
+                      <a:headEnd type="none" w="med" len="med"/>
+                      <a:tailEnd type="none" w="med" len="med"/>
+                    </a:lnR>
+                    <a:lnT w="12700" cap="flat" cmpd="sng" algn="ctr">
+                      <a:noFill/>
+                      <a:prstDash val="solid"/>
+                      <a:round/>
+                      <a:headEnd type="none" w="med" len="med"/>
+                      <a:tailEnd type="none" w="med" len="med"/>
+                    </a:lnT>
+                    <a:lnB w="12700" cap="flat" cmpd="sng" algn="ctr">
+                      <a:noFill/>
+                      <a:prstDash val="solid"/>
+                      <a:round/>
+                      <a:headEnd type="none" w="med" len="med"/>
+                      <a:tailEnd type="none" w="med" len="med"/>
+                    </a:lnB>
+                    <a:lnTlToBr w="12700" cmpd="sng">
+                      <a:noFill/>
+                      <a:prstDash val="solid"/>
+                    </a:lnTlToBr>
+                    <a:lnBlToTr w="12700" cmpd="sng">
+                      <a:noFill/>
+                      <a:prstDash val="solid"/>
+                    </a:lnBlToTr>
+                    <a:noFill/>
+                  </a:tcPr>
+                </a:tc>
+                <a:tc>
+                  <a:txBody>
+                    <a:bodyPr/>
+                    <a:lstStyle/>
+                    <a:p>
+                      <a:endParaRPr lang="es-ES_tradnl" dirty="0"/>
+                    </a:p>
+                  </a:txBody>
+                  <a:tcPr>
+                    <a:lnL w="12700" cap="flat" cmpd="sng" algn="ctr">
+                      <a:noFill/>
+                      <a:prstDash val="solid"/>
+                      <a:round/>
+                      <a:headEnd type="none" w="med" len="med"/>
+                      <a:tailEnd type="none" w="med" len="med"/>
+                    </a:lnL>
+                    <a:lnR w="12700" cap="flat" cmpd="sng" algn="ctr">
+                      <a:noFill/>
+                      <a:prstDash val="solid"/>
+                      <a:round/>
+                      <a:headEnd type="none" w="med" len="med"/>
+                      <a:tailEnd type="none" w="med" len="med"/>
+                    </a:lnR>
+                    <a:lnT w="12700" cap="flat" cmpd="sng" algn="ctr">
+                      <a:noFill/>
+                      <a:prstDash val="solid"/>
+                      <a:round/>
+                      <a:headEnd type="none" w="med" len="med"/>
+                      <a:tailEnd type="none" w="med" len="med"/>
+                    </a:lnT>
+                    <a:lnB w="12700" cap="flat" cmpd="sng" algn="ctr">
+                      <a:noFill/>
+                      <a:prstDash val="solid"/>
+                      <a:round/>
+                      <a:headEnd type="none" w="med" len="med"/>
+                      <a:tailEnd type="none" w="med" len="med"/>
+                    </a:lnB>
+                    <a:lnTlToBr w="12700" cmpd="sng">
+                      <a:noFill/>
+                      <a:prstDash val="solid"/>
+                    </a:lnTlToBr>
+                    <a:lnBlToTr w="12700" cmpd="sng">
+                      <a:noFill/>
+                      <a:prstDash val="solid"/>
+                    </a:lnBlToTr>
+                    <a:noFill/>
+                  </a:tcPr>
+                </a:tc>
+                <a:tc>
+                  <a:txBody>
+                    <a:bodyPr/>
+                    <a:lstStyle/>
+                    <a:p>
+                      <a:endParaRPr lang="es-ES_tradnl" dirty="0"/>
+                    </a:p>
+                  </a:txBody>
+                  <a:tcPr>
+                    <a:lnL w="12700" cap="flat" cmpd="sng" algn="ctr">
+                      <a:noFill/>
+                      <a:prstDash val="solid"/>
+                      <a:round/>
+                      <a:headEnd type="none" w="med" len="med"/>
+                      <a:tailEnd type="none" w="med" len="med"/>
+                    </a:lnL>
+                    <a:lnR w="12700" cap="flat" cmpd="sng" algn="ctr">
+                      <a:noFill/>
+                      <a:prstDash val="solid"/>
+                      <a:round/>
+                      <a:headEnd type="none" w="med" len="med"/>
+                      <a:tailEnd type="none" w="med" len="med"/>
+                    </a:lnR>
+                    <a:lnT w="12700" cap="flat" cmpd="sng" algn="ctr">
+                      <a:noFill/>
+                      <a:prstDash val="solid"/>
+                      <a:round/>
+                      <a:headEnd type="none" w="med" len="med"/>
+                      <a:tailEnd type="none" w="med" len="med"/>
+                    </a:lnT>
+                    <a:lnB w="12700" cap="flat" cmpd="sng" algn="ctr">
+                      <a:noFill/>
+                      <a:prstDash val="solid"/>
+                      <a:round/>
+                      <a:headEnd type="none" w="med" len="med"/>
+                      <a:tailEnd type="none" w="med" len="med"/>
+                    </a:lnB>
+                    <a:lnTlToBr w="12700" cmpd="sng">
+                      <a:noFill/>
+                      <a:prstDash val="solid"/>
+                    </a:lnTlToBr>
+                    <a:lnBlToTr w="12700" cmpd="sng">
+                      <a:noFill/>
+                      <a:prstDash val="solid"/>
+                    </a:lnBlToTr>
+                    <a:noFill/>
+                  </a:tcPr>
+                </a:tc>
+                <a:tc>
+                  <a:txBody>
+                    <a:bodyPr/>
+                    <a:lstStyle/>
+                    <a:p>
+                      <a:endParaRPr lang="es-ES_tradnl" dirty="0"/>
+                    </a:p>
+                  </a:txBody>
+                  <a:tcPr>
+                    <a:lnL w="12700" cap="flat" cmpd="sng" algn="ctr">
+                      <a:noFill/>
+                      <a:prstDash val="solid"/>
+                      <a:round/>
+                      <a:headEnd type="none" w="med" len="med"/>
+                      <a:tailEnd type="none" w="med" len="med"/>
+                    </a:lnL>
+                    <a:lnR w="12700" cap="flat" cmpd="sng" algn="ctr">
+                      <a:noFill/>
+                      <a:prstDash val="solid"/>
+                      <a:round/>
+                      <a:headEnd type="none" w="med" len="med"/>
+                      <a:tailEnd type="none" w="med" len="med"/>
+                    </a:lnR>
+                    <a:lnT w="12700" cap="flat" cmpd="sng" algn="ctr">
+                      <a:noFill/>
+                      <a:prstDash val="solid"/>
+                      <a:round/>
+                      <a:headEnd type="none" w="med" len="med"/>
+                      <a:tailEnd type="none" w="med" len="med"/>
+                    </a:lnT>
+                    <a:lnB w="12700" cap="flat" cmpd="sng" algn="ctr">
+                      <a:noFill/>
+                      <a:prstDash val="solid"/>
+                      <a:round/>
+                      <a:headEnd type="none" w="med" len="med"/>
+                      <a:tailEnd type="none" w="med" len="med"/>
+                    </a:lnB>
+                    <a:lnTlToBr w="12700" cmpd="sng">
+                      <a:noFill/>
+                      <a:prstDash val="solid"/>
+                    </a:lnTlToBr>
+                    <a:lnBlToTr w="12700" cmpd="sng">
+                      <a:noFill/>
+                      <a:prstDash val="solid"/>
+                    </a:lnBlToTr>
+                    <a:noFill/>
+                  </a:tcPr>
+                </a:tc>
+                <a:extLst>
+                  <a:ext uri="{0D108BD9-81ED-4DB2-BD59-A6C34878D82A}">
+                    <a16:rowId xmlns:a16="http://schemas.microsoft.com/office/drawing/2014/main" val="4089054000"/>
+                  </a:ext>
+                </a:extLst>
+              </a:tr>
+              <a:tr h="731520">
+                <a:tc>
+                  <a:txBody>
+                    <a:bodyPr/>
+                    <a:lstStyle/>
+                    <a:p>
+                      <a:endParaRPr lang="es-ES_tradnl"/>
+                    </a:p>
+                  </a:txBody>
+                  <a:tcPr>
+                    <a:lnL w="12700" cap="flat" cmpd="sng" algn="ctr">
+                      <a:noFill/>
+                      <a:prstDash val="solid"/>
+                      <a:round/>
+                      <a:headEnd type="none" w="med" len="med"/>
+                      <a:tailEnd type="none" w="med" len="med"/>
+                    </a:lnL>
+                    <a:lnR w="12700" cap="flat" cmpd="sng" algn="ctr">
+                      <a:noFill/>
+                      <a:prstDash val="solid"/>
+                      <a:round/>
+                      <a:headEnd type="none" w="med" len="med"/>
+                      <a:tailEnd type="none" w="med" len="med"/>
+                    </a:lnR>
+                    <a:lnT w="12700" cap="flat" cmpd="sng" algn="ctr">
+                      <a:noFill/>
+                      <a:prstDash val="solid"/>
+                      <a:round/>
+                      <a:headEnd type="none" w="med" len="med"/>
+                      <a:tailEnd type="none" w="med" len="med"/>
+                    </a:lnT>
+                    <a:lnB w="12700" cap="flat" cmpd="sng" algn="ctr">
+                      <a:noFill/>
+                      <a:prstDash val="solid"/>
+                      <a:round/>
+                      <a:headEnd type="none" w="med" len="med"/>
+                      <a:tailEnd type="none" w="med" len="med"/>
+                    </a:lnB>
+                    <a:lnTlToBr w="12700" cmpd="sng">
+                      <a:noFill/>
+                      <a:prstDash val="solid"/>
+                    </a:lnTlToBr>
+                    <a:lnBlToTr w="12700" cmpd="sng">
+                      <a:noFill/>
+                      <a:prstDash val="solid"/>
+                    </a:lnBlToTr>
+                    <a:noFill/>
+                  </a:tcPr>
+                </a:tc>
+                <a:tc>
+                  <a:txBody>
+                    <a:bodyPr/>
+                    <a:lstStyle/>
+                    <a:p>
+                      <a:endParaRPr lang="es-ES_tradnl"/>
+                    </a:p>
+                  </a:txBody>
+                  <a:tcPr>
+                    <a:lnL w="12700" cap="flat" cmpd="sng" algn="ctr">
+                      <a:noFill/>
+                      <a:prstDash val="solid"/>
+                      <a:round/>
+                      <a:headEnd type="none" w="med" len="med"/>
+                      <a:tailEnd type="none" w="med" len="med"/>
+                    </a:lnL>
+                    <a:lnR w="12700" cap="flat" cmpd="sng" algn="ctr">
+                      <a:noFill/>
+                      <a:prstDash val="solid"/>
+                      <a:round/>
+                      <a:headEnd type="none" w="med" len="med"/>
+                      <a:tailEnd type="none" w="med" len="med"/>
+                    </a:lnR>
+                    <a:lnT w="12700" cap="flat" cmpd="sng" algn="ctr">
+                      <a:noFill/>
+                      <a:prstDash val="solid"/>
+                      <a:round/>
+                      <a:headEnd type="none" w="med" len="med"/>
+                      <a:tailEnd type="none" w="med" len="med"/>
+                    </a:lnT>
+                    <a:lnB w="12700" cap="flat" cmpd="sng" algn="ctr">
+                      <a:noFill/>
+                      <a:prstDash val="solid"/>
+                      <a:round/>
+                      <a:headEnd type="none" w="med" len="med"/>
+                      <a:tailEnd type="none" w="med" len="med"/>
+                    </a:lnB>
+                    <a:lnTlToBr w="12700" cmpd="sng">
+                      <a:noFill/>
+                      <a:prstDash val="solid"/>
+                    </a:lnTlToBr>
+                    <a:lnBlToTr w="12700" cmpd="sng">
+                      <a:noFill/>
+                      <a:prstDash val="solid"/>
+                    </a:lnBlToTr>
+                    <a:noFill/>
+                  </a:tcPr>
+                </a:tc>
+                <a:tc>
+                  <a:txBody>
+                    <a:bodyPr/>
+                    <a:lstStyle/>
+                    <a:p>
+                      <a:endParaRPr lang="es-ES_tradnl"/>
+                    </a:p>
+                  </a:txBody>
+                  <a:tcPr>
+                    <a:lnL w="12700" cap="flat" cmpd="sng" algn="ctr">
+                      <a:noFill/>
+                      <a:prstDash val="solid"/>
+                      <a:round/>
+                      <a:headEnd type="none" w="med" len="med"/>
+                      <a:tailEnd type="none" w="med" len="med"/>
+                    </a:lnL>
+                    <a:lnR w="12700" cap="flat" cmpd="sng" algn="ctr">
+                      <a:noFill/>
+                      <a:prstDash val="solid"/>
+                      <a:round/>
+                      <a:headEnd type="none" w="med" len="med"/>
+                      <a:tailEnd type="none" w="med" len="med"/>
+                    </a:lnR>
+                    <a:lnT w="12700" cap="flat" cmpd="sng" algn="ctr">
+                      <a:noFill/>
+                      <a:prstDash val="solid"/>
+                      <a:round/>
+                      <a:headEnd type="none" w="med" len="med"/>
+                      <a:tailEnd type="none" w="med" len="med"/>
+                    </a:lnT>
+                    <a:lnB w="12700" cap="flat" cmpd="sng" algn="ctr">
+                      <a:noFill/>
+                      <a:prstDash val="solid"/>
+                      <a:round/>
+                      <a:headEnd type="none" w="med" len="med"/>
+                      <a:tailEnd type="none" w="med" len="med"/>
+                    </a:lnB>
+                    <a:lnTlToBr w="12700" cmpd="sng">
+                      <a:noFill/>
+                      <a:prstDash val="solid"/>
+                    </a:lnTlToBr>
+                    <a:lnBlToTr w="12700" cmpd="sng">
+                      <a:noFill/>
+                      <a:prstDash val="solid"/>
+                    </a:lnBlToTr>
+                    <a:noFill/>
+                  </a:tcPr>
+                </a:tc>
+                <a:tc>
+                  <a:txBody>
+                    <a:bodyPr/>
+                    <a:lstStyle/>
+                    <a:p>
+                      <a:endParaRPr lang="es-ES_tradnl" dirty="0"/>
+                    </a:p>
+                  </a:txBody>
+                  <a:tcPr>
+                    <a:lnL w="12700" cap="flat" cmpd="sng" algn="ctr">
+                      <a:noFill/>
+                      <a:prstDash val="solid"/>
+                      <a:round/>
+                      <a:headEnd type="none" w="med" len="med"/>
+                      <a:tailEnd type="none" w="med" len="med"/>
+                    </a:lnL>
+                    <a:lnR w="12700" cap="flat" cmpd="sng" algn="ctr">
+                      <a:noFill/>
+                      <a:prstDash val="solid"/>
+                      <a:round/>
+                      <a:headEnd type="none" w="med" len="med"/>
+                      <a:tailEnd type="none" w="med" len="med"/>
+                    </a:lnR>
+                    <a:lnT w="12700" cap="flat" cmpd="sng" algn="ctr">
+                      <a:noFill/>
+                      <a:prstDash val="solid"/>
+                      <a:round/>
+                      <a:headEnd type="none" w="med" len="med"/>
+                      <a:tailEnd type="none" w="med" len="med"/>
+                    </a:lnT>
+                    <a:lnB w="12700" cap="flat" cmpd="sng" algn="ctr">
+                      <a:noFill/>
+                      <a:prstDash val="solid"/>
+                      <a:round/>
+                      <a:headEnd type="none" w="med" len="med"/>
+                      <a:tailEnd type="none" w="med" len="med"/>
+                    </a:lnB>
+                    <a:lnTlToBr w="12700" cmpd="sng">
+                      <a:noFill/>
+                      <a:prstDash val="solid"/>
+                    </a:lnTlToBr>
+                    <a:lnBlToTr w="12700" cmpd="sng">
+                      <a:noFill/>
+                      <a:prstDash val="solid"/>
+                    </a:lnBlToTr>
+                    <a:noFill/>
+                  </a:tcPr>
+                </a:tc>
+                <a:tc>
+                  <a:txBody>
+                    <a:bodyPr/>
+                    <a:lstStyle/>
+                    <a:p>
+                      <a:endParaRPr lang="es-ES_tradnl" dirty="0"/>
+                    </a:p>
+                  </a:txBody>
+                  <a:tcPr>
+                    <a:lnL w="12700" cap="flat" cmpd="sng" algn="ctr">
+                      <a:noFill/>
+                      <a:prstDash val="solid"/>
+                      <a:round/>
+                      <a:headEnd type="none" w="med" len="med"/>
+                      <a:tailEnd type="none" w="med" len="med"/>
+                    </a:lnL>
+                    <a:lnR w="12700" cap="flat" cmpd="sng" algn="ctr">
+                      <a:noFill/>
+                      <a:prstDash val="solid"/>
+                      <a:round/>
+                      <a:headEnd type="none" w="med" len="med"/>
+                      <a:tailEnd type="none" w="med" len="med"/>
+                    </a:lnR>
+                    <a:lnT w="12700" cap="flat" cmpd="sng" algn="ctr">
+                      <a:noFill/>
+                      <a:prstDash val="solid"/>
+                      <a:round/>
+                      <a:headEnd type="none" w="med" len="med"/>
+                      <a:tailEnd type="none" w="med" len="med"/>
+                    </a:lnT>
+                    <a:lnB w="12700" cap="flat" cmpd="sng" algn="ctr">
+                      <a:noFill/>
+                      <a:prstDash val="solid"/>
+                      <a:round/>
+                      <a:headEnd type="none" w="med" len="med"/>
+                      <a:tailEnd type="none" w="med" len="med"/>
+                    </a:lnB>
+                    <a:lnTlToBr w="12700" cmpd="sng">
+                      <a:noFill/>
+                      <a:prstDash val="solid"/>
+                    </a:lnTlToBr>
+                    <a:lnBlToTr w="12700" cmpd="sng">
+                      <a:noFill/>
+                      <a:prstDash val="solid"/>
+                    </a:lnBlToTr>
+                    <a:noFill/>
+                  </a:tcPr>
+                </a:tc>
+                <a:extLst>
+                  <a:ext uri="{0D108BD9-81ED-4DB2-BD59-A6C34878D82A}">
+                    <a16:rowId xmlns:a16="http://schemas.microsoft.com/office/drawing/2014/main" val="2938716887"/>
+                  </a:ext>
+                </a:extLst>
+              </a:tr>
+              <a:tr h="731520">
+                <a:tc>
+                  <a:txBody>
+                    <a:bodyPr/>
+                    <a:lstStyle/>
+                    <a:p>
+                      <a:endParaRPr lang="es-ES_tradnl"/>
+                    </a:p>
+                  </a:txBody>
+                  <a:tcPr>
+                    <a:lnL w="12700" cap="flat" cmpd="sng" algn="ctr">
+                      <a:noFill/>
+                      <a:prstDash val="solid"/>
+                      <a:round/>
+                      <a:headEnd type="none" w="med" len="med"/>
+                      <a:tailEnd type="none" w="med" len="med"/>
+                    </a:lnL>
+                    <a:lnR w="12700" cap="flat" cmpd="sng" algn="ctr">
+                      <a:noFill/>
+                      <a:prstDash val="solid"/>
+                      <a:round/>
+                      <a:headEnd type="none" w="med" len="med"/>
+                      <a:tailEnd type="none" w="med" len="med"/>
+                    </a:lnR>
+                    <a:lnT w="12700" cap="flat" cmpd="sng" algn="ctr">
+                      <a:noFill/>
+                      <a:prstDash val="solid"/>
+                      <a:round/>
+                      <a:headEnd type="none" w="med" len="med"/>
+                      <a:tailEnd type="none" w="med" len="med"/>
+                    </a:lnT>
+                    <a:lnB w="12700" cap="flat" cmpd="sng" algn="ctr">
+                      <a:noFill/>
+                      <a:prstDash val="solid"/>
+                      <a:round/>
+                      <a:headEnd type="none" w="med" len="med"/>
+                      <a:tailEnd type="none" w="med" len="med"/>
+                    </a:lnB>
+                    <a:lnTlToBr w="12700" cmpd="sng">
+                      <a:noFill/>
+                      <a:prstDash val="solid"/>
+                    </a:lnTlToBr>
+                    <a:lnBlToTr w="12700" cmpd="sng">
+                      <a:noFill/>
+                      <a:prstDash val="solid"/>
+                    </a:lnBlToTr>
+                    <a:noFill/>
+                  </a:tcPr>
+                </a:tc>
+                <a:tc>
+                  <a:txBody>
+                    <a:bodyPr/>
+                    <a:lstStyle/>
+                    <a:p>
+                      <a:endParaRPr lang="es-ES_tradnl"/>
+                    </a:p>
+                  </a:txBody>
+                  <a:tcPr>
+                    <a:lnL w="12700" cap="flat" cmpd="sng" algn="ctr">
+                      <a:noFill/>
+                      <a:prstDash val="solid"/>
+                      <a:round/>
+                      <a:headEnd type="none" w="med" len="med"/>
+                      <a:tailEnd type="none" w="med" len="med"/>
+                    </a:lnL>
+                    <a:lnR w="12700" cap="flat" cmpd="sng" algn="ctr">
+                      <a:noFill/>
+                      <a:prstDash val="solid"/>
+                      <a:round/>
+                      <a:headEnd type="none" w="med" len="med"/>
+                      <a:tailEnd type="none" w="med" len="med"/>
+                    </a:lnR>
+                    <a:lnT w="12700" cap="flat" cmpd="sng" algn="ctr">
+                      <a:noFill/>
+                      <a:prstDash val="solid"/>
+                      <a:round/>
+                      <a:headEnd type="none" w="med" len="med"/>
+                      <a:tailEnd type="none" w="med" len="med"/>
+                    </a:lnT>
+                    <a:lnB w="12700" cap="flat" cmpd="sng" algn="ctr">
+                      <a:noFill/>
+                      <a:prstDash val="solid"/>
+                      <a:round/>
+                      <a:headEnd type="none" w="med" len="med"/>
+                      <a:tailEnd type="none" w="med" len="med"/>
+                    </a:lnB>
+                    <a:lnTlToBr w="12700" cmpd="sng">
+                      <a:noFill/>
+                      <a:prstDash val="solid"/>
+                    </a:lnTlToBr>
+                    <a:lnBlToTr w="12700" cmpd="sng">
+                      <a:noFill/>
+                      <a:prstDash val="solid"/>
+                    </a:lnBlToTr>
+                    <a:noFill/>
+                  </a:tcPr>
+                </a:tc>
+                <a:tc>
+                  <a:txBody>
+                    <a:bodyPr/>
+                    <a:lstStyle/>
+                    <a:p>
+                      <a:endParaRPr lang="es-ES_tradnl"/>
+                    </a:p>
+                  </a:txBody>
+                  <a:tcPr>
+                    <a:lnL w="12700" cap="flat" cmpd="sng" algn="ctr">
+                      <a:noFill/>
+                      <a:prstDash val="solid"/>
+                      <a:round/>
+                      <a:headEnd type="none" w="med" len="med"/>
+                      <a:tailEnd type="none" w="med" len="med"/>
+                    </a:lnL>
+                    <a:lnR w="12700" cap="flat" cmpd="sng" algn="ctr">
+                      <a:noFill/>
+                      <a:prstDash val="solid"/>
+                      <a:round/>
+                      <a:headEnd type="none" w="med" len="med"/>
+                      <a:tailEnd type="none" w="med" len="med"/>
+                    </a:lnR>
+                    <a:lnT w="12700" cap="flat" cmpd="sng" algn="ctr">
+                      <a:noFill/>
+                      <a:prstDash val="solid"/>
+                      <a:round/>
+                      <a:headEnd type="none" w="med" len="med"/>
+                      <a:tailEnd type="none" w="med" len="med"/>
+                    </a:lnT>
+                    <a:lnB w="12700" cap="flat" cmpd="sng" algn="ctr">
+                      <a:noFill/>
+                      <a:prstDash val="solid"/>
+                      <a:round/>
+                      <a:headEnd type="none" w="med" len="med"/>
+                      <a:tailEnd type="none" w="med" len="med"/>
+                    </a:lnB>
+                    <a:lnTlToBr w="12700" cmpd="sng">
+                      <a:noFill/>
+                      <a:prstDash val="solid"/>
+                    </a:lnTlToBr>
+                    <a:lnBlToTr w="12700" cmpd="sng">
+                      <a:noFill/>
+                      <a:prstDash val="solid"/>
+                    </a:lnBlToTr>
+                    <a:noFill/>
+                  </a:tcPr>
+                </a:tc>
+                <a:tc>
+                  <a:txBody>
+                    <a:bodyPr/>
+                    <a:lstStyle/>
+                    <a:p>
+                      <a:endParaRPr lang="es-ES_tradnl" dirty="0"/>
+                    </a:p>
+                  </a:txBody>
+                  <a:tcPr>
+                    <a:lnL w="12700" cap="flat" cmpd="sng" algn="ctr">
+                      <a:noFill/>
+                      <a:prstDash val="solid"/>
+                      <a:round/>
+                      <a:headEnd type="none" w="med" len="med"/>
+                      <a:tailEnd type="none" w="med" len="med"/>
+                    </a:lnL>
+                    <a:lnR w="12700" cap="flat" cmpd="sng" algn="ctr">
+                      <a:noFill/>
+                      <a:prstDash val="solid"/>
+                      <a:round/>
+                      <a:headEnd type="none" w="med" len="med"/>
+                      <a:tailEnd type="none" w="med" len="med"/>
+                    </a:lnR>
+                    <a:lnT w="12700" cap="flat" cmpd="sng" algn="ctr">
+                      <a:noFill/>
+                      <a:prstDash val="solid"/>
+                      <a:round/>
+                      <a:headEnd type="none" w="med" len="med"/>
+                      <a:tailEnd type="none" w="med" len="med"/>
+                    </a:lnT>
+                    <a:lnB w="12700" cap="flat" cmpd="sng" algn="ctr">
+                      <a:noFill/>
+                      <a:prstDash val="solid"/>
+                      <a:round/>
+                      <a:headEnd type="none" w="med" len="med"/>
+                      <a:tailEnd type="none" w="med" len="med"/>
+                    </a:lnB>
+                    <a:lnTlToBr w="12700" cmpd="sng">
+                      <a:noFill/>
+                      <a:prstDash val="solid"/>
+                    </a:lnTlToBr>
+                    <a:lnBlToTr w="12700" cmpd="sng">
+                      <a:noFill/>
+                      <a:prstDash val="solid"/>
+                    </a:lnBlToTr>
+                    <a:noFill/>
+                  </a:tcPr>
+                </a:tc>
+                <a:tc>
+                  <a:txBody>
+                    <a:bodyPr/>
+                    <a:lstStyle/>
+                    <a:p>
+                      <a:endParaRPr lang="es-ES_tradnl" dirty="0"/>
+                    </a:p>
+                  </a:txBody>
+                  <a:tcPr>
+                    <a:lnL w="12700" cap="flat" cmpd="sng" algn="ctr">
+                      <a:noFill/>
+                      <a:prstDash val="solid"/>
+                      <a:round/>
+                      <a:headEnd type="none" w="med" len="med"/>
+                      <a:tailEnd type="none" w="med" len="med"/>
+                    </a:lnL>
+                    <a:lnR w="12700" cap="flat" cmpd="sng" algn="ctr">
+                      <a:noFill/>
+                      <a:prstDash val="solid"/>
+                      <a:round/>
+                      <a:headEnd type="none" w="med" len="med"/>
+                      <a:tailEnd type="none" w="med" len="med"/>
+                    </a:lnR>
+                    <a:lnT w="12700" cap="flat" cmpd="sng" algn="ctr">
+                      <a:noFill/>
+                      <a:prstDash val="solid"/>
+                      <a:round/>
+                      <a:headEnd type="none" w="med" len="med"/>
+                      <a:tailEnd type="none" w="med" len="med"/>
+                    </a:lnT>
+                    <a:lnB w="12700" cap="flat" cmpd="sng" algn="ctr">
+                      <a:noFill/>
+                      <a:prstDash val="solid"/>
+                      <a:round/>
+                      <a:headEnd type="none" w="med" len="med"/>
+                      <a:tailEnd type="none" w="med" len="med"/>
+                    </a:lnB>
+                    <a:lnTlToBr w="12700" cmpd="sng">
+                      <a:noFill/>
+                      <a:prstDash val="solid"/>
+                    </a:lnTlToBr>
+                    <a:lnBlToTr w="12700" cmpd="sng">
+                      <a:noFill/>
+                      <a:prstDash val="solid"/>
+                    </a:lnBlToTr>
+                    <a:noFill/>
+                  </a:tcPr>
+                </a:tc>
+                <a:extLst>
+                  <a:ext uri="{0D108BD9-81ED-4DB2-BD59-A6C34878D82A}">
+                    <a16:rowId xmlns:a16="http://schemas.microsoft.com/office/drawing/2014/main" val="3640125625"/>
+                  </a:ext>
+                </a:extLst>
+              </a:tr>
+            </a:tbl>
+          </a:graphicData>
+        </a:graphic>
+      </p:graphicFrame>
+      <p:pic>
+        <p:nvPicPr>
+          <p:cNvPr id="5" name="Picture 4" descr="https://www.desarrollaconmicrosoft.com/Areas/Dotnetspain2016/Content/Images/logo-altran.png"/>
+          <p:cNvPicPr/>
+          <p:nvPr userDrawn="1"/>
+        </p:nvPicPr>
+        <p:blipFill>
+          <a:blip r:embed="rId3" cstate="print">
+            <a:extLst>
+              <a:ext uri="{28A0092B-C50C-407E-A947-70E740481C1C}">
+                <a14:useLocalDpi xmlns:a14="http://schemas.microsoft.com/office/drawing/2010/main" val="0"/>
+              </a:ext>
+            </a:extLst>
+          </a:blip>
+          <a:srcRect/>
+          <a:stretch>
+            <a:fillRect/>
+          </a:stretch>
+        </p:blipFill>
+        <p:spPr bwMode="auto">
+          <a:xfrm>
+            <a:off x="897367" y="2378080"/>
+            <a:ext cx="1828800" cy="727710"/>
+          </a:xfrm>
+          <a:prstGeom prst="rect">
+            <a:avLst/>
+          </a:prstGeom>
+          <a:noFill/>
+          <a:ln>
+            <a:noFill/>
+          </a:ln>
+        </p:spPr>
+      </p:pic>
+      <p:pic>
+        <p:nvPicPr>
+          <p:cNvPr id="6" name="Picture 5" descr="C:\Users\t-dimart\Desktop\800px-Avanade_logo.svg.png"/>
+          <p:cNvPicPr/>
+          <p:nvPr userDrawn="1"/>
+        </p:nvPicPr>
+        <p:blipFill>
+          <a:blip r:embed="rId4" cstate="print">
+            <a:extLst>
+              <a:ext uri="{28A0092B-C50C-407E-A947-70E740481C1C}">
+                <a14:useLocalDpi xmlns:a14="http://schemas.microsoft.com/office/drawing/2010/main" val="0"/>
+              </a:ext>
+            </a:extLst>
+          </a:blip>
+          <a:srcRect/>
+          <a:stretch>
+            <a:fillRect/>
+          </a:stretch>
+        </p:blipFill>
+        <p:spPr bwMode="auto">
+          <a:xfrm>
+            <a:off x="3107167" y="2483807"/>
+            <a:ext cx="1828800" cy="516255"/>
+          </a:xfrm>
+          <a:prstGeom prst="rect">
+            <a:avLst/>
+          </a:prstGeom>
+          <a:noFill/>
+          <a:ln>
+            <a:noFill/>
+          </a:ln>
+        </p:spPr>
+      </p:pic>
+      <p:pic>
+        <p:nvPicPr>
+          <p:cNvPr id="7" name="Picture 6" descr="C:\Users\t-dimart\Desktop\LogoBraventTransparente_retina.png"/>
+          <p:cNvPicPr/>
+          <p:nvPr userDrawn="1"/>
+        </p:nvPicPr>
+        <p:blipFill>
+          <a:blip r:embed="rId5" cstate="print">
+            <a:extLst>
+              <a:ext uri="{28A0092B-C50C-407E-A947-70E740481C1C}">
+                <a14:useLocalDpi xmlns:a14="http://schemas.microsoft.com/office/drawing/2010/main" val="0"/>
+              </a:ext>
+            </a:extLst>
+          </a:blip>
+          <a:srcRect/>
+          <a:stretch>
+            <a:fillRect/>
+          </a:stretch>
+        </p:blipFill>
+        <p:spPr bwMode="auto">
+          <a:xfrm>
+            <a:off x="5316967" y="2511747"/>
+            <a:ext cx="1828800" cy="488315"/>
+          </a:xfrm>
+          <a:prstGeom prst="rect">
+            <a:avLst/>
+          </a:prstGeom>
+          <a:noFill/>
+          <a:ln>
+            <a:noFill/>
+          </a:ln>
+        </p:spPr>
+      </p:pic>
+      <p:pic>
+        <p:nvPicPr>
+          <p:cNvPr id="8" name="Picture 7" descr="C:\Users\t-dimart\Desktop\danysoft.png"/>
+          <p:cNvPicPr/>
+          <p:nvPr userDrawn="1"/>
+        </p:nvPicPr>
+        <p:blipFill>
+          <a:blip r:embed="rId6">
+            <a:extLst>
+              <a:ext uri="{28A0092B-C50C-407E-A947-70E740481C1C}">
+                <a14:useLocalDpi xmlns:a14="http://schemas.microsoft.com/office/drawing/2010/main" val="0"/>
+              </a:ext>
+            </a:extLst>
+          </a:blip>
+          <a:srcRect/>
+          <a:stretch>
+            <a:fillRect/>
+          </a:stretch>
+        </p:blipFill>
+        <p:spPr bwMode="auto">
+          <a:xfrm>
+            <a:off x="7526767" y="2448881"/>
+            <a:ext cx="1828800" cy="586105"/>
+          </a:xfrm>
+          <a:prstGeom prst="rect">
+            <a:avLst/>
+          </a:prstGeom>
+          <a:noFill/>
+          <a:ln>
+            <a:noFill/>
+          </a:ln>
+        </p:spPr>
+      </p:pic>
+      <p:pic>
+        <p:nvPicPr>
+          <p:cNvPr id="9" name="Picture 8" descr="https://www.desarrollaconmicrosoft.com/Areas/Dotnetspain2016/Content/Images/logo-devsdna.jpg"/>
+          <p:cNvPicPr/>
+          <p:nvPr userDrawn="1"/>
+        </p:nvPicPr>
+        <p:blipFill rotWithShape="1">
+          <a:blip r:embed="rId7">
+            <a:extLst>
+              <a:ext uri="{28A0092B-C50C-407E-A947-70E740481C1C}">
+                <a14:useLocalDpi xmlns:a14="http://schemas.microsoft.com/office/drawing/2010/main" val="0"/>
+              </a:ext>
+            </a:extLst>
+          </a:blip>
+          <a:srcRect t="2990" b="4412"/>
+          <a:stretch/>
+        </p:blipFill>
+        <p:spPr bwMode="auto">
+          <a:xfrm>
+            <a:off x="9711980" y="2392049"/>
+            <a:ext cx="1824990" cy="727710"/>
+          </a:xfrm>
+          <a:prstGeom prst="rect">
+            <a:avLst/>
+          </a:prstGeom>
+          <a:noFill/>
+          <a:ln>
+            <a:noFill/>
+          </a:ln>
+          <a:extLst>
+            <a:ext uri="{53640926-AAD7-44D8-BBD7-CCE9431645EC}">
+              <a14:shadowObscured xmlns:a14="http://schemas.microsoft.com/office/drawing/2010/main"/>
+            </a:ext>
+          </a:extLst>
+        </p:spPr>
+      </p:pic>
+      <p:pic>
+        <p:nvPicPr>
+          <p:cNvPr id="10" name="Picture 9" descr="https://www.desarrollaconmicrosoft.com/Areas/Dotnetspain2016/Content/Images/logo-encamina.jpg"/>
+          <p:cNvPicPr/>
+          <p:nvPr userDrawn="1"/>
+        </p:nvPicPr>
+        <p:blipFill>
+          <a:blip r:embed="rId8">
+            <a:extLst>
+              <a:ext uri="{28A0092B-C50C-407E-A947-70E740481C1C}">
+                <a14:useLocalDpi xmlns:a14="http://schemas.microsoft.com/office/drawing/2010/main" val="0"/>
+              </a:ext>
+            </a:extLst>
+          </a:blip>
+          <a:srcRect/>
+          <a:stretch>
+            <a:fillRect/>
+          </a:stretch>
+        </p:blipFill>
+        <p:spPr bwMode="auto">
+          <a:xfrm>
+            <a:off x="897367" y="3119759"/>
+            <a:ext cx="1828800" cy="728980"/>
+          </a:xfrm>
+          <a:prstGeom prst="rect">
+            <a:avLst/>
+          </a:prstGeom>
+          <a:noFill/>
+          <a:ln>
+            <a:noFill/>
+          </a:ln>
+        </p:spPr>
+      </p:pic>
+      <p:pic>
+        <p:nvPicPr>
+          <p:cNvPr id="11" name="Picture 10" descr="https://www.desarrollaconmicrosoft.com/Areas/Dotnetspain2016/Content/Images/logo-ilitia.png"/>
+          <p:cNvPicPr/>
+          <p:nvPr userDrawn="1"/>
+        </p:nvPicPr>
+        <p:blipFill>
+          <a:blip r:embed="rId9" cstate="print">
+            <a:extLst>
+              <a:ext uri="{28A0092B-C50C-407E-A947-70E740481C1C}">
+                <a14:useLocalDpi xmlns:a14="http://schemas.microsoft.com/office/drawing/2010/main" val="0"/>
+              </a:ext>
+            </a:extLst>
+          </a:blip>
+          <a:srcRect/>
+          <a:stretch>
+            <a:fillRect/>
+          </a:stretch>
+        </p:blipFill>
+        <p:spPr bwMode="auto">
+          <a:xfrm>
+            <a:off x="3531029" y="3119759"/>
+            <a:ext cx="981075" cy="731520"/>
+          </a:xfrm>
+          <a:prstGeom prst="rect">
+            <a:avLst/>
+          </a:prstGeom>
+          <a:noFill/>
+          <a:ln>
+            <a:noFill/>
+          </a:ln>
+        </p:spPr>
+      </p:pic>
+      <p:pic>
+        <p:nvPicPr>
+          <p:cNvPr id="12" name="Picture 11" descr="https://www.desarrollaconmicrosoft.com/Areas/Dotnetspain2016/Content/Images/logo-intelequia.png"/>
+          <p:cNvPicPr/>
+          <p:nvPr userDrawn="1"/>
+        </p:nvPicPr>
+        <p:blipFill>
+          <a:blip r:embed="rId10" cstate="print">
+            <a:extLst>
+              <a:ext uri="{28A0092B-C50C-407E-A947-70E740481C1C}">
+                <a14:useLocalDpi xmlns:a14="http://schemas.microsoft.com/office/drawing/2010/main" val="0"/>
+              </a:ext>
+            </a:extLst>
+          </a:blip>
+          <a:srcRect/>
+          <a:stretch>
+            <a:fillRect/>
+          </a:stretch>
+        </p:blipFill>
+        <p:spPr bwMode="auto">
+          <a:xfrm>
+            <a:off x="5303837" y="3121029"/>
+            <a:ext cx="1828800" cy="727710"/>
+          </a:xfrm>
+          <a:prstGeom prst="rect">
+            <a:avLst/>
+          </a:prstGeom>
+          <a:noFill/>
+          <a:ln>
+            <a:noFill/>
+          </a:ln>
+        </p:spPr>
+      </p:pic>
+      <p:pic>
+        <p:nvPicPr>
+          <p:cNvPr id="13" name="Picture 12" descr="https://www.desarrollaconmicrosoft.com/Areas/Dotnetspain2016/Content/Images/logo-plain.png"/>
+          <p:cNvPicPr/>
+          <p:nvPr userDrawn="1"/>
+        </p:nvPicPr>
+        <p:blipFill>
+          <a:blip r:embed="rId11" cstate="print">
+            <a:extLst>
+              <a:ext uri="{28A0092B-C50C-407E-A947-70E740481C1C}">
+                <a14:useLocalDpi xmlns:a14="http://schemas.microsoft.com/office/drawing/2010/main" val="0"/>
+              </a:ext>
+            </a:extLst>
+          </a:blip>
+          <a:srcRect/>
+          <a:stretch>
+            <a:fillRect/>
+          </a:stretch>
+        </p:blipFill>
+        <p:spPr bwMode="auto">
+          <a:xfrm>
+            <a:off x="7507908" y="3116095"/>
+            <a:ext cx="1828800" cy="727710"/>
+          </a:xfrm>
+          <a:prstGeom prst="rect">
+            <a:avLst/>
+          </a:prstGeom>
+          <a:noFill/>
+          <a:ln>
+            <a:noFill/>
+          </a:ln>
+        </p:spPr>
+      </p:pic>
+      <p:pic>
+        <p:nvPicPr>
+          <p:cNvPr id="14" name="Picture 13" descr="https://www.desarrollaconmicrosoft.com/Areas/Dotnetspain2016/Content/Images/logo-sogeti.jpg"/>
+          <p:cNvPicPr/>
+          <p:nvPr userDrawn="1"/>
+        </p:nvPicPr>
+        <p:blipFill>
+          <a:blip r:embed="rId12" cstate="print">
+            <a:extLst>
+              <a:ext uri="{28A0092B-C50C-407E-A947-70E740481C1C}">
+                <a14:useLocalDpi xmlns:a14="http://schemas.microsoft.com/office/drawing/2010/main" val="0"/>
+              </a:ext>
+            </a:extLst>
+          </a:blip>
+          <a:srcRect/>
+          <a:stretch>
+            <a:fillRect/>
+          </a:stretch>
+        </p:blipFill>
+        <p:spPr bwMode="auto">
+          <a:xfrm>
+            <a:off x="9708170" y="3116095"/>
+            <a:ext cx="1828800" cy="727710"/>
+          </a:xfrm>
+          <a:prstGeom prst="rect">
+            <a:avLst/>
+          </a:prstGeom>
+          <a:noFill/>
+          <a:ln>
+            <a:noFill/>
+          </a:ln>
+        </p:spPr>
+      </p:pic>
+      <p:pic>
+        <p:nvPicPr>
+          <p:cNvPr id="15" name="Picture 14" descr="https://www.desarrollaconmicrosoft.com/Areas/Dotnetspain2016/Content/Images/logo-pue.png"/>
+          <p:cNvPicPr/>
+          <p:nvPr userDrawn="1"/>
+        </p:nvPicPr>
+        <p:blipFill>
+          <a:blip r:embed="rId13" cstate="print">
+            <a:extLst>
+              <a:ext uri="{28A0092B-C50C-407E-A947-70E740481C1C}">
+                <a14:useLocalDpi xmlns:a14="http://schemas.microsoft.com/office/drawing/2010/main" val="0"/>
+              </a:ext>
+            </a:extLst>
+          </a:blip>
+          <a:srcRect/>
+          <a:stretch>
+            <a:fillRect/>
+          </a:stretch>
+        </p:blipFill>
+        <p:spPr bwMode="auto">
+          <a:xfrm>
+            <a:off x="897367" y="4584915"/>
+            <a:ext cx="1828800" cy="727710"/>
+          </a:xfrm>
+          <a:prstGeom prst="rect">
+            <a:avLst/>
+          </a:prstGeom>
+          <a:noFill/>
+          <a:ln>
+            <a:noFill/>
+          </a:ln>
+        </p:spPr>
+      </p:pic>
+      <p:pic>
+        <p:nvPicPr>
+          <p:cNvPr id="16" name="Picture 15" descr="https://www.desarrollaconmicrosoft.com/Areas/Dotnetspain2016/Content/Images/logo-ticjob.png"/>
+          <p:cNvPicPr/>
+          <p:nvPr userDrawn="1"/>
+        </p:nvPicPr>
+        <p:blipFill>
+          <a:blip r:embed="rId14" cstate="print">
+            <a:extLst>
+              <a:ext uri="{28A0092B-C50C-407E-A947-70E740481C1C}">
+                <a14:useLocalDpi xmlns:a14="http://schemas.microsoft.com/office/drawing/2010/main" val="0"/>
+              </a:ext>
+            </a:extLst>
+          </a:blip>
+          <a:srcRect/>
+          <a:stretch>
+            <a:fillRect/>
+          </a:stretch>
+        </p:blipFill>
+        <p:spPr bwMode="auto">
+          <a:xfrm>
+            <a:off x="3107166" y="4584915"/>
+            <a:ext cx="1828800" cy="727710"/>
+          </a:xfrm>
+          <a:prstGeom prst="rect">
+            <a:avLst/>
+          </a:prstGeom>
+          <a:noFill/>
+          <a:ln>
+            <a:noFill/>
+          </a:ln>
+        </p:spPr>
+      </p:pic>
       <p:sp>
         <p:nvSpPr>
-          <p:cNvPr id="4" name="Rectangle 3"/>
+          <p:cNvPr id="17" name="Rectangle 16"/>
           <p:cNvSpPr/>
           <p:nvPr userDrawn="1"/>
         </p:nvSpPr>
@@ -7635,7 +9774,7 @@
           <a:p>
             <a:pPr algn="r"/>
             <a:r>
-              <a:rPr lang="es-ES" sz="2800" b="1" dirty="0" smtClean="0">
+              <a:rPr lang="es-ES" sz="2800" b="1" dirty="0">
                 <a:solidFill>
                   <a:srgbClr val="67217A"/>
                 </a:solidFill>
@@ -7757,31 +9896,30 @@
           <a:p>
             <a:pPr lvl="0"/>
             <a:r>
-              <a:rPr lang="en-US" dirty="0" smtClean="0"/>
+              <a:rPr lang="en-US" dirty="0"/>
               <a:t>Section1</a:t>
             </a:r>
           </a:p>
           <a:p>
             <a:pPr lvl="1"/>
             <a:r>
-              <a:rPr lang="en-US" dirty="0" smtClean="0"/>
+              <a:rPr lang="en-US" dirty="0"/>
               <a:t>Subsection1</a:t>
             </a:r>
           </a:p>
           <a:p>
             <a:pPr lvl="1"/>
             <a:r>
-              <a:rPr lang="en-US" dirty="0" smtClean="0"/>
+              <a:rPr lang="en-US" dirty="0"/>
               <a:t>Subsection2</a:t>
             </a:r>
           </a:p>
           <a:p>
             <a:pPr lvl="0"/>
             <a:r>
-              <a:rPr lang="en-US" dirty="0" smtClean="0"/>
+              <a:rPr lang="en-US" dirty="0"/>
               <a:t>Section2</a:t>
             </a:r>
-            <a:endParaRPr lang="en-US" dirty="0"/>
           </a:p>
         </p:txBody>
       </p:sp>
@@ -7809,10 +9947,9 @@
           </a:lstStyle>
           <a:p>
             <a:r>
-              <a:rPr lang="en-US" dirty="0" smtClean="0"/>
+              <a:rPr lang="en-US" dirty="0"/>
               <a:t>Agenda</a:t>
             </a:r>
-            <a:endParaRPr lang="en-US" dirty="0"/>
           </a:p>
         </p:txBody>
       </p:sp>
@@ -7839,7 +9976,7 @@
           <a:p>
             <a:pPr algn="r"/>
             <a:r>
-              <a:rPr lang="es-ES" sz="2800" b="1" dirty="0" smtClean="0">
+              <a:rPr lang="es-ES" sz="2800" b="1" dirty="0">
                 <a:solidFill>
                   <a:schemeClr val="bg1"/>
                 </a:solidFill>
@@ -8052,38 +10189,37 @@
           <a:p>
             <a:pPr lvl="0"/>
             <a:r>
-              <a:rPr lang="en-US" dirty="0" smtClean="0"/>
+              <a:rPr lang="en-US" dirty="0"/>
               <a:t>First level</a:t>
             </a:r>
           </a:p>
           <a:p>
             <a:pPr lvl="1"/>
             <a:r>
-              <a:rPr lang="en-US" dirty="0" smtClean="0"/>
+              <a:rPr lang="en-US" dirty="0"/>
               <a:t>Second level</a:t>
             </a:r>
           </a:p>
           <a:p>
             <a:pPr lvl="2"/>
             <a:r>
-              <a:rPr lang="en-US" dirty="0" smtClean="0"/>
+              <a:rPr lang="en-US" dirty="0"/>
               <a:t>Third level</a:t>
             </a:r>
           </a:p>
           <a:p>
             <a:pPr lvl="3"/>
             <a:r>
-              <a:rPr lang="en-US" dirty="0" smtClean="0"/>
+              <a:rPr lang="en-US" dirty="0"/>
               <a:t>Fourth level</a:t>
             </a:r>
           </a:p>
           <a:p>
             <a:pPr lvl="4"/>
             <a:r>
-              <a:rPr lang="en-US" dirty="0" smtClean="0"/>
+              <a:rPr lang="en-US" dirty="0"/>
               <a:t>Fifth level</a:t>
             </a:r>
-            <a:endParaRPr lang="en-US" dirty="0"/>
           </a:p>
         </p:txBody>
       </p:sp>
@@ -8126,10 +10262,9 @@
           </a:lstStyle>
           <a:p>
             <a:r>
-              <a:rPr lang="en-US" dirty="0" smtClean="0"/>
+              <a:rPr lang="en-US" dirty="0"/>
               <a:t>Speaker name</a:t>
             </a:r>
-            <a:endParaRPr lang="en-US" dirty="0"/>
           </a:p>
         </p:txBody>
       </p:sp>
@@ -8156,7 +10291,7 @@
           <a:p>
             <a:pPr algn="r"/>
             <a:r>
-              <a:rPr lang="es-ES" sz="2800" b="1" dirty="0" smtClean="0">
+              <a:rPr lang="es-ES" sz="2800" b="1" dirty="0">
                 <a:solidFill>
                   <a:srgbClr val="67217A"/>
                 </a:solidFill>
@@ -8205,10 +10340,9 @@
           </a:lstStyle>
           <a:p>
             <a:r>
-              <a:rPr lang="en-US" dirty="0" smtClean="0"/>
+              <a:rPr lang="en-US" dirty="0"/>
               <a:t>Click icon to add picture</a:t>
             </a:r>
-            <a:endParaRPr lang="en-US" dirty="0"/>
           </a:p>
         </p:txBody>
       </p:sp>
@@ -8406,31 +10540,30 @@
           <a:p>
             <a:pPr lvl="0"/>
             <a:r>
-              <a:rPr lang="en-US" dirty="0" smtClean="0"/>
+              <a:rPr lang="en-US" dirty="0"/>
               <a:t>First level</a:t>
             </a:r>
           </a:p>
           <a:p>
             <a:pPr lvl="1"/>
             <a:r>
-              <a:rPr lang="en-US" dirty="0" smtClean="0"/>
+              <a:rPr lang="en-US" dirty="0"/>
               <a:t>Second level</a:t>
             </a:r>
           </a:p>
           <a:p>
             <a:pPr lvl="2"/>
             <a:r>
-              <a:rPr lang="en-US" dirty="0" smtClean="0"/>
+              <a:rPr lang="en-US" dirty="0"/>
               <a:t>Third level</a:t>
             </a:r>
           </a:p>
           <a:p>
             <a:pPr lvl="3"/>
             <a:r>
-              <a:rPr lang="en-US" dirty="0" smtClean="0"/>
+              <a:rPr lang="en-US" dirty="0"/>
               <a:t>Fourth level</a:t>
             </a:r>
-            <a:endParaRPr lang="en-US" dirty="0"/>
           </a:p>
         </p:txBody>
       </p:sp>
@@ -8457,7 +10590,7 @@
           <a:p>
             <a:pPr algn="r"/>
             <a:r>
-              <a:rPr lang="es-ES" sz="2800" b="1" dirty="0" smtClean="0">
+              <a:rPr lang="es-ES" sz="2800" b="1" dirty="0">
                 <a:solidFill>
                   <a:srgbClr val="67217A"/>
                 </a:solidFill>
@@ -8506,10 +10639,9 @@
           </a:lstStyle>
           <a:p>
             <a:r>
-              <a:rPr lang="en-US" dirty="0" smtClean="0"/>
+              <a:rPr lang="en-US" dirty="0"/>
               <a:t>Click icon to add picture</a:t>
             </a:r>
-            <a:endParaRPr lang="en-US" dirty="0"/>
           </a:p>
         </p:txBody>
       </p:sp>
@@ -8543,10 +10675,9 @@
           </a:lstStyle>
           <a:p>
             <a:r>
-              <a:rPr lang="en-US" dirty="0" smtClean="0"/>
+              <a:rPr lang="en-US" dirty="0"/>
               <a:t>Click icon to add picture</a:t>
             </a:r>
-            <a:endParaRPr lang="en-US" dirty="0"/>
           </a:p>
         </p:txBody>
       </p:sp>
@@ -8711,31 +10842,30 @@
           <a:p>
             <a:pPr lvl="0"/>
             <a:r>
-              <a:rPr lang="en-US" dirty="0" smtClean="0"/>
+              <a:rPr lang="en-US" dirty="0"/>
               <a:t>First level</a:t>
             </a:r>
           </a:p>
           <a:p>
             <a:pPr lvl="1"/>
             <a:r>
-              <a:rPr lang="en-US" dirty="0" smtClean="0"/>
+              <a:rPr lang="en-US" dirty="0"/>
               <a:t>Second level</a:t>
             </a:r>
           </a:p>
           <a:p>
             <a:pPr lvl="2"/>
             <a:r>
-              <a:rPr lang="en-US" dirty="0" smtClean="0"/>
+              <a:rPr lang="en-US" dirty="0"/>
               <a:t>Third level</a:t>
             </a:r>
           </a:p>
           <a:p>
             <a:pPr lvl="3"/>
             <a:r>
-              <a:rPr lang="en-US" dirty="0" smtClean="0"/>
+              <a:rPr lang="en-US" dirty="0"/>
               <a:t>Fourth level</a:t>
             </a:r>
-            <a:endParaRPr lang="en-US" dirty="0"/>
           </a:p>
         </p:txBody>
       </p:sp>
@@ -8915,10 +11045,9 @@
           <a:p>
             <a:pPr lvl="0"/>
             <a:r>
-              <a:rPr lang="en-US" dirty="0" smtClean="0"/>
+              <a:rPr lang="en-US" dirty="0"/>
               <a:t>Speaker name</a:t>
             </a:r>
-            <a:endParaRPr lang="en-US" dirty="0"/>
           </a:p>
         </p:txBody>
       </p:sp>
@@ -9098,10 +11227,9 @@
           <a:p>
             <a:pPr lvl="0"/>
             <a:r>
-              <a:rPr lang="en-US" dirty="0" smtClean="0"/>
+              <a:rPr lang="en-US" dirty="0"/>
               <a:t>Speaker name</a:t>
             </a:r>
-            <a:endParaRPr lang="en-US" dirty="0"/>
           </a:p>
         </p:txBody>
       </p:sp>
@@ -9176,10 +11304,9 @@
           </a:lstStyle>
           <a:p>
             <a:r>
-              <a:rPr lang="en-US" dirty="0" smtClean="0"/>
+              <a:rPr lang="en-US" dirty="0"/>
               <a:t>Section1</a:t>
             </a:r>
-            <a:endParaRPr lang="en-US" dirty="0"/>
           </a:p>
         </p:txBody>
       </p:sp>
@@ -9206,7 +11333,7 @@
           <a:p>
             <a:pPr algn="r"/>
             <a:r>
-              <a:rPr lang="es-ES" sz="2800" b="1" dirty="0" smtClean="0">
+              <a:rPr lang="es-ES" sz="2800" b="1" dirty="0">
                 <a:solidFill>
                   <a:schemeClr val="bg1"/>
                 </a:solidFill>
@@ -9342,10 +11469,9 @@
           </a:lstStyle>
           <a:p>
             <a:r>
-              <a:rPr lang="en-US" dirty="0" smtClean="0"/>
+              <a:rPr lang="en-US" dirty="0"/>
               <a:t>Click icon to add picture</a:t>
             </a:r>
-            <a:endParaRPr lang="en-US" dirty="0"/>
           </a:p>
         </p:txBody>
       </p:sp>
@@ -9379,10 +11505,9 @@
           </a:lstStyle>
           <a:p>
             <a:r>
-              <a:rPr lang="en-US" dirty="0" smtClean="0"/>
+              <a:rPr lang="en-US" dirty="0"/>
               <a:t>Section1</a:t>
             </a:r>
-            <a:endParaRPr lang="en-US" dirty="0"/>
           </a:p>
         </p:txBody>
       </p:sp>
@@ -9475,10 +11600,9 @@
           </a:lstStyle>
           <a:p>
             <a:r>
-              <a:rPr lang="en-US" dirty="0" smtClean="0"/>
+              <a:rPr lang="en-US" dirty="0"/>
               <a:t>Click icon to add picture</a:t>
             </a:r>
-            <a:endParaRPr lang="en-US" dirty="0"/>
           </a:p>
         </p:txBody>
       </p:sp>
@@ -9512,10 +11636,9 @@
           </a:lstStyle>
           <a:p>
             <a:r>
-              <a:rPr lang="en-US" dirty="0" smtClean="0"/>
+              <a:rPr lang="en-US" dirty="0"/>
               <a:t>Section1</a:t>
             </a:r>
-            <a:endParaRPr lang="en-US" dirty="0"/>
           </a:p>
         </p:txBody>
       </p:sp>
@@ -9583,7 +11706,7 @@
           <a:lstStyle/>
           <a:p>
             <a:r>
-              <a:rPr lang="en-US" smtClean="0"/>
+              <a:rPr lang="en-US"/>
               <a:t>Click to edit Master title style</a:t>
             </a:r>
             <a:endParaRPr lang="en-US" dirty="0"/>
@@ -9617,35 +11740,35 @@
           <a:p>
             <a:pPr lvl="0"/>
             <a:r>
-              <a:rPr lang="en-US" smtClean="0"/>
+              <a:rPr lang="en-US"/>
               <a:t>Edit Master text styles</a:t>
             </a:r>
           </a:p>
           <a:p>
             <a:pPr lvl="1"/>
             <a:r>
-              <a:rPr lang="en-US" smtClean="0"/>
+              <a:rPr lang="en-US"/>
               <a:t>Second level</a:t>
             </a:r>
           </a:p>
           <a:p>
             <a:pPr lvl="2"/>
             <a:r>
-              <a:rPr lang="en-US" smtClean="0"/>
+              <a:rPr lang="en-US"/>
               <a:t>Third level</a:t>
             </a:r>
           </a:p>
           <a:p>
             <a:pPr lvl="3"/>
             <a:r>
-              <a:rPr lang="en-US" smtClean="0"/>
+              <a:rPr lang="en-US"/>
               <a:t>Fourth level</a:t>
             </a:r>
           </a:p>
           <a:p>
             <a:pPr lvl="4"/>
             <a:r>
-              <a:rPr lang="en-US" smtClean="0"/>
+              <a:rPr lang="en-US"/>
               <a:t>Fifth level</a:t>
             </a:r>
             <a:endParaRPr lang="en-US" dirty="0"/>
@@ -10311,13 +12434,8 @@
             <a:pPr lvl="4"/>
             <a:r>
               <a:rPr lang="en-US" dirty="0"/>
-              <a:t>Fifth </a:t>
-            </a:r>
-            <a:r>
-              <a:rPr lang="en-US" dirty="0" smtClean="0"/>
-              <a:t>level</a:t>
-            </a:r>
-            <a:endParaRPr lang="en-US" dirty="0"/>
+              <a:t>Fifth level</a:t>
+            </a:r>
           </a:p>
         </p:txBody>
       </p:sp>
@@ -10337,15 +12455,15 @@
           <a:lstStyle/>
           <a:p>
             <a:r>
-              <a:rPr lang="es-ES" dirty="0" err="1" smtClean="0"/>
+              <a:rPr lang="es-ES" dirty="0" err="1"/>
               <a:t>Section</a:t>
             </a:r>
             <a:r>
-              <a:rPr lang="es-ES" dirty="0" smtClean="0"/>
+              <a:rPr lang="es-ES" dirty="0"/>
               <a:t> </a:t>
             </a:r>
             <a:r>
-              <a:rPr lang="es-ES" dirty="0" err="1" smtClean="0"/>
+              <a:rPr lang="es-ES" dirty="0" err="1"/>
               <a:t>name</a:t>
             </a:r>
             <a:endParaRPr lang="es-ES" dirty="0"/>
@@ -10452,15 +12570,15 @@
           <a:lstStyle/>
           <a:p>
             <a:r>
-              <a:rPr lang="es-ES" dirty="0" err="1" smtClean="0"/>
+              <a:rPr lang="es-ES" dirty="0" err="1"/>
               <a:t>Section</a:t>
             </a:r>
             <a:r>
-              <a:rPr lang="es-ES" dirty="0" smtClean="0"/>
+              <a:rPr lang="es-ES" dirty="0"/>
               <a:t> </a:t>
             </a:r>
             <a:r>
-              <a:rPr lang="es-ES" dirty="0" err="1" smtClean="0"/>
+              <a:rPr lang="es-ES" dirty="0" err="1"/>
               <a:t>name</a:t>
             </a:r>
             <a:endParaRPr lang="es-ES" dirty="0"/>
@@ -10516,15 +12634,15 @@
           <a:lstStyle/>
           <a:p>
             <a:r>
-              <a:rPr lang="es-ES" dirty="0" err="1" smtClean="0"/>
+              <a:rPr lang="es-ES" dirty="0" err="1"/>
               <a:t>Section</a:t>
             </a:r>
             <a:r>
-              <a:rPr lang="es-ES" dirty="0" smtClean="0"/>
+              <a:rPr lang="es-ES" dirty="0"/>
               <a:t> </a:t>
             </a:r>
             <a:r>
-              <a:rPr lang="es-ES" dirty="0" err="1" smtClean="0"/>
+              <a:rPr lang="es-ES" dirty="0" err="1"/>
               <a:t>name</a:t>
             </a:r>
             <a:endParaRPr lang="es-ES" dirty="0"/>
@@ -10633,13 +12751,8 @@
             <a:pPr lvl="4"/>
             <a:r>
               <a:rPr lang="en-US" dirty="0"/>
-              <a:t>Fifth </a:t>
-            </a:r>
-            <a:r>
-              <a:rPr lang="en-US" dirty="0" smtClean="0"/>
-              <a:t>level</a:t>
-            </a:r>
-            <a:endParaRPr lang="en-US" dirty="0"/>
+              <a:t>Fifth level</a:t>
+            </a:r>
           </a:p>
         </p:txBody>
       </p:sp>
@@ -10744,15 +12857,15 @@
           <a:lstStyle/>
           <a:p>
             <a:r>
-              <a:rPr lang="es-ES" dirty="0" err="1" smtClean="0"/>
+              <a:rPr lang="es-ES" dirty="0" err="1"/>
               <a:t>Code</a:t>
             </a:r>
             <a:r>
-              <a:rPr lang="es-ES" dirty="0" smtClean="0"/>
+              <a:rPr lang="es-ES" dirty="0"/>
               <a:t> </a:t>
             </a:r>
             <a:r>
-              <a:rPr lang="es-ES" dirty="0" err="1" smtClean="0"/>
+              <a:rPr lang="es-ES" dirty="0" err="1"/>
               <a:t>Section</a:t>
             </a:r>
             <a:endParaRPr lang="es-ES" dirty="0"/>
@@ -10896,10 +13009,9 @@
           <a:p>
             <a:pPr lvl="0"/>
             <a:r>
-              <a:rPr lang="en-US" dirty="0" smtClean="0"/>
+              <a:rPr lang="en-US" dirty="0"/>
               <a:t>Contact</a:t>
             </a:r>
-            <a:endParaRPr lang="en-US" dirty="0"/>
           </a:p>
         </p:txBody>
       </p:sp>
@@ -11000,17 +13112,16 @@
           <a:p>
             <a:pPr lvl="0"/>
             <a:r>
-              <a:rPr lang="en-US" dirty="0" smtClean="0"/>
+              <a:rPr lang="en-US" dirty="0"/>
               <a:t>Role</a:t>
             </a:r>
           </a:p>
           <a:p>
             <a:pPr lvl="0"/>
             <a:r>
-              <a:rPr lang="en-US" dirty="0" smtClean="0"/>
+              <a:rPr lang="en-US" dirty="0"/>
               <a:t>Contact</a:t>
             </a:r>
-            <a:endParaRPr lang="en-US" dirty="0"/>
           </a:p>
         </p:txBody>
       </p:sp>
@@ -11030,15 +13141,15 @@
           <a:lstStyle/>
           <a:p>
             <a:r>
-              <a:rPr lang="es-ES" dirty="0" err="1" smtClean="0"/>
+              <a:rPr lang="es-ES" dirty="0" err="1"/>
               <a:t>Presentation</a:t>
             </a:r>
             <a:r>
-              <a:rPr lang="es-ES" dirty="0" smtClean="0"/>
+              <a:rPr lang="es-ES" dirty="0"/>
               <a:t> </a:t>
             </a:r>
             <a:r>
-              <a:rPr lang="es-ES" dirty="0" err="1" smtClean="0"/>
+              <a:rPr lang="es-ES" dirty="0" err="1"/>
               <a:t>title</a:t>
             </a:r>
             <a:endParaRPr lang="es-ES" dirty="0"/>
@@ -11087,86 +13198,6 @@
           <a:chExt cx="0" cy="0"/>
         </a:xfrm>
       </p:grpSpPr>
-      <p:sp>
-        <p:nvSpPr>
-          <p:cNvPr id="2" name="TextBox 1"/>
-          <p:cNvSpPr txBox="1"/>
-          <p:nvPr/>
-        </p:nvSpPr>
-        <p:spPr>
-          <a:xfrm>
-            <a:off x="579437" y="2506662"/>
-            <a:ext cx="11277600" cy="1043363"/>
-          </a:xfrm>
-          <a:prstGeom prst="rect">
-            <a:avLst/>
-          </a:prstGeom>
-          <a:ln w="57150">
-            <a:solidFill>
-              <a:srgbClr val="FF0000"/>
-            </a:solidFill>
-          </a:ln>
-        </p:spPr>
-        <p:style>
-          <a:lnRef idx="2">
-            <a:schemeClr val="accent5"/>
-          </a:lnRef>
-          <a:fillRef idx="1">
-            <a:schemeClr val="lt1"/>
-          </a:fillRef>
-          <a:effectRef idx="0">
-            <a:schemeClr val="accent5"/>
-          </a:effectRef>
-          <a:fontRef idx="minor">
-            <a:schemeClr val="dk1"/>
-          </a:fontRef>
-        </p:style>
-        <p:txBody>
-          <a:bodyPr wrap="square" lIns="182880" tIns="146304" rIns="182880" bIns="146304" rtlCol="0">
-            <a:spAutoFit/>
-          </a:bodyPr>
-          <a:lstStyle/>
-          <a:p>
-            <a:pPr algn="ctr">
-              <a:lnSpc>
-                <a:spcPct val="90000"/>
-              </a:lnSpc>
-              <a:spcAft>
-                <a:spcPts val="600"/>
-              </a:spcAft>
-            </a:pPr>
-            <a:r>
-              <a:rPr lang="en-US" sz="5400" dirty="0" err="1" smtClean="0">
-                <a:solidFill>
-                  <a:srgbClr val="FF0000"/>
-                </a:solidFill>
-              </a:rPr>
-              <a:t>Remplazar</a:t>
-            </a:r>
-            <a:r>
-              <a:rPr lang="en-US" sz="5400" dirty="0" smtClean="0">
-                <a:solidFill>
-                  <a:srgbClr val="FF0000"/>
-                </a:solidFill>
-              </a:rPr>
-              <a:t> con slide </a:t>
-            </a:r>
-            <a:r>
-              <a:rPr lang="en-US" sz="5400" dirty="0" err="1" smtClean="0">
-                <a:solidFill>
-                  <a:srgbClr val="FF0000"/>
-                </a:solidFill>
-              </a:rPr>
-              <a:t>patrocinadores</a:t>
-            </a:r>
-            <a:endParaRPr lang="es-ES_tradnl" sz="5400" dirty="0" err="1" smtClean="0">
-              <a:solidFill>
-                <a:srgbClr val="FF0000"/>
-              </a:solidFill>
-            </a:endParaRPr>
-          </a:p>
-        </p:txBody>
-      </p:sp>
     </p:spTree>
     <p:extLst>
       <p:ext uri="{BB962C8B-B14F-4D97-AF65-F5344CB8AC3E}">
@@ -11268,10 +13299,9 @@
           <a:lstStyle/>
           <a:p>
             <a:r>
-              <a:rPr lang="es-ES" dirty="0" smtClean="0"/>
+              <a:rPr lang="es-ES" dirty="0"/>
               <a:t>Agenda</a:t>
             </a:r>
-            <a:endParaRPr lang="es-ES" dirty="0"/>
           </a:p>
         </p:txBody>
       </p:sp>
@@ -11329,11 +13359,11 @@
           <a:lstStyle/>
           <a:p>
             <a:r>
-              <a:rPr lang="es-ES" dirty="0" smtClean="0"/>
+              <a:rPr lang="es-ES" dirty="0"/>
               <a:t>Speaker </a:t>
             </a:r>
             <a:r>
-              <a:rPr lang="es-ES" dirty="0" err="1" smtClean="0"/>
+              <a:rPr lang="es-ES" dirty="0" err="1"/>
               <a:t>description</a:t>
             </a:r>
             <a:endParaRPr lang="es-ES" dirty="0"/>
@@ -11356,11 +13386,11 @@
           <a:lstStyle/>
           <a:p>
             <a:r>
-              <a:rPr lang="es-ES" dirty="0" smtClean="0"/>
+              <a:rPr lang="es-ES" dirty="0"/>
               <a:t>Speaker </a:t>
             </a:r>
             <a:r>
-              <a:rPr lang="es-ES" dirty="0" err="1" smtClean="0"/>
+              <a:rPr lang="es-ES" dirty="0" err="1"/>
               <a:t>name</a:t>
             </a:r>
             <a:endParaRPr lang="es-ES" dirty="0"/>
@@ -11433,11 +13463,11 @@
           <a:lstStyle/>
           <a:p>
             <a:r>
-              <a:rPr lang="es-ES" dirty="0" smtClean="0"/>
+              <a:rPr lang="es-ES" dirty="0"/>
               <a:t>Speaker </a:t>
             </a:r>
             <a:r>
-              <a:rPr lang="es-ES" dirty="0" err="1" smtClean="0"/>
+              <a:rPr lang="es-ES" dirty="0" err="1"/>
               <a:t>description</a:t>
             </a:r>
             <a:endParaRPr lang="es-ES" dirty="0"/>
@@ -11489,11 +13519,11 @@
           <a:lstStyle/>
           <a:p>
             <a:r>
-              <a:rPr lang="es-ES" dirty="0" smtClean="0"/>
+              <a:rPr lang="es-ES" dirty="0"/>
               <a:t>Speaker </a:t>
             </a:r>
             <a:r>
-              <a:rPr lang="es-ES" dirty="0" err="1" smtClean="0"/>
+              <a:rPr lang="es-ES" dirty="0" err="1"/>
               <a:t>description</a:t>
             </a:r>
             <a:endParaRPr lang="es-ES" dirty="0"/>
@@ -11516,11 +13546,11 @@
           <a:lstStyle/>
           <a:p>
             <a:r>
-              <a:rPr lang="es-ES" dirty="0" smtClean="0"/>
+              <a:rPr lang="es-ES" dirty="0"/>
               <a:t>Speaker </a:t>
             </a:r>
             <a:r>
-              <a:rPr lang="es-ES" dirty="0" err="1" smtClean="0"/>
+              <a:rPr lang="es-ES" dirty="0" err="1"/>
               <a:t>name</a:t>
             </a:r>
             <a:endParaRPr lang="es-ES" dirty="0"/>
@@ -11543,11 +13573,11 @@
           <a:lstStyle/>
           <a:p>
             <a:r>
-              <a:rPr lang="es-ES" dirty="0" smtClean="0"/>
+              <a:rPr lang="es-ES" dirty="0"/>
               <a:t>Speaker </a:t>
             </a:r>
             <a:r>
-              <a:rPr lang="es-ES" dirty="0" err="1" smtClean="0"/>
+              <a:rPr lang="es-ES" dirty="0" err="1"/>
               <a:t>name</a:t>
             </a:r>
             <a:endParaRPr lang="es-ES" dirty="0"/>
@@ -11603,15 +13633,15 @@
           <a:lstStyle/>
           <a:p>
             <a:r>
-              <a:rPr lang="es-ES" dirty="0" err="1" smtClean="0"/>
+              <a:rPr lang="es-ES" dirty="0" err="1"/>
               <a:t>Section</a:t>
             </a:r>
             <a:r>
-              <a:rPr lang="es-ES" dirty="0" smtClean="0"/>
+              <a:rPr lang="es-ES" dirty="0"/>
               <a:t> </a:t>
             </a:r>
             <a:r>
-              <a:rPr lang="es-ES" dirty="0" err="1" smtClean="0"/>
+              <a:rPr lang="es-ES" dirty="0" err="1"/>
               <a:t>name</a:t>
             </a:r>
             <a:endParaRPr lang="es-ES" dirty="0"/>
@@ -11688,15 +13718,15 @@
           <a:lstStyle/>
           <a:p>
             <a:r>
-              <a:rPr lang="es-ES" dirty="0" err="1" smtClean="0"/>
+              <a:rPr lang="es-ES" dirty="0" err="1"/>
               <a:t>Section</a:t>
             </a:r>
             <a:r>
-              <a:rPr lang="es-ES" dirty="0" smtClean="0"/>
+              <a:rPr lang="es-ES" dirty="0"/>
               <a:t> </a:t>
             </a:r>
             <a:r>
-              <a:rPr lang="es-ES" dirty="0" err="1" smtClean="0"/>
+              <a:rPr lang="es-ES" dirty="0" err="1"/>
               <a:t>name</a:t>
             </a:r>
             <a:endParaRPr lang="es-ES" dirty="0"/>
@@ -11764,11 +13794,11 @@
           <a:lstStyle/>
           <a:p>
             <a:r>
-              <a:rPr lang="es-ES" dirty="0" smtClean="0"/>
+              <a:rPr lang="es-ES" dirty="0"/>
               <a:t>Foto </a:t>
             </a:r>
             <a:r>
-              <a:rPr lang="es-ES" dirty="0" err="1" smtClean="0"/>
+              <a:rPr lang="es-ES" dirty="0" err="1"/>
               <a:t>slide</a:t>
             </a:r>
             <a:endParaRPr lang="es-ES" dirty="0"/>
@@ -12646,12 +14676,9 @@
 </file>
 
 <file path=customXml/item1.xml><?xml version="1.0" encoding="utf-8"?>
-<?mso-contentType ?>
-<FormTemplates xmlns="http://schemas.microsoft.com/sharepoint/v3/contenttype/forms">
-  <Display>DocumentLibraryForm</Display>
-  <Edit>DocumentLibraryForm</Edit>
-  <New>DocumentLibraryForm</New>
-</FormTemplates>
+<Control xmlns="http://schemas.microsoft.com/VisualStudio/2011/storyboarding/control">
+  <Id Name="efe5a390-2970-49e9-af59-9713de369ad9" Revision="1" Stencil="System.MyShapes" StencilVersion="1.0"/>
+</Control>
 </file>
 
 <file path=customXml/item2.xml><?xml version="1.0" encoding="utf-8"?>
@@ -12661,14 +14688,35 @@
 </file>
 
 <file path=customXml/item3.xml><?xml version="1.0" encoding="utf-8"?>
-<Control xmlns="http://schemas.microsoft.com/VisualStudio/2011/storyboarding/control">
-  <Id Name="efe5a390-2970-49e9-af59-9713de369ad9" Revision="1" Stencil="System.MyShapes" StencilVersion="1.0"/>
-</Control>
+<?mso-contentType ?>
+<FormTemplates xmlns="http://schemas.microsoft.com/sharepoint/v3/contenttype/forms">
+  <Display>DocumentLibraryForm</Display>
+  <Edit>DocumentLibraryForm</Edit>
+  <New>DocumentLibraryForm</New>
+</FormTemplates>
 </file>
 
 <file path=customXml/item4.xml><?xml version="1.0" encoding="utf-8"?>
-<ct:contentTypeSchema xmlns:ct="http://schemas.microsoft.com/office/2006/metadata/contentType" xmlns:ma="http://schemas.microsoft.com/office/2006/metadata/properties/metaAttributes" ct:_="" ma:_="" ma:contentTypeName="Document" ma:contentTypeID="0x0101000A655A170DB5584FB5BF1EFD28586C3A" ma:contentTypeVersion="3" ma:contentTypeDescription="Create a new document." ma:contentTypeScope="" ma:versionID="34738ad0b6b5902ee2454a3627babcfe">
-  <xsd:schema xmlns:xsd="http://www.w3.org/2001/XMLSchema" xmlns:xs="http://www.w3.org/2001/XMLSchema" xmlns:p="http://schemas.microsoft.com/office/2006/metadata/properties" xmlns:ns2="2b2dfeed-2da1-4ef4-b600-f5543001ef98" xmlns:ns3="ed015050-a57a-4d39-9cd8-b09b64473eb7" targetNamespace="http://schemas.microsoft.com/office/2006/metadata/properties" ma:root="true" ma:fieldsID="f4e89f4546bf2798c577ef7cbcf9d5ea" ns2:_="" ns3:_="">
+<p:properties xmlns:p="http://schemas.microsoft.com/office/2006/metadata/properties" xmlns:xsi="http://www.w3.org/2001/XMLSchema-instance" xmlns:pc="http://schemas.microsoft.com/office/infopath/2007/PartnerControls">
+  <documentManagement>
+    <SharedWithUsers xmlns="2b2dfeed-2da1-4ef4-b600-f5543001ef98">
+      <UserInfo>
+        <DisplayName/>
+        <AccountId xsi:nil="true"/>
+        <AccountType/>
+      </UserInfo>
+    </SharedWithUsers>
+    <_ShortcutUrl xmlns="ed015050-a57a-4d39-9cd8-b09b64473eb7">
+      <Url xsi:nil="true"/>
+      <Description xsi:nil="true"/>
+    </_ShortcutUrl>
+  </documentManagement>
+</p:properties>
+</file>
+
+<file path=customXml/item5.xml><?xml version="1.0" encoding="utf-8"?>
+<ct:contentTypeSchema xmlns:ct="http://schemas.microsoft.com/office/2006/metadata/contentType" xmlns:ma="http://schemas.microsoft.com/office/2006/metadata/properties/metaAttributes" ct:_="" ma:_="" ma:contentTypeName="Document" ma:contentTypeID="0x0101000A655A170DB5584FB5BF1EFD28586C3A" ma:contentTypeVersion="3" ma:contentTypeDescription="Create a new document." ma:contentTypeScope="" ma:versionID="ac9eeb9d9b9ba19d34f79db8b3e24ee8">
+  <xsd:schema xmlns:xsd="http://www.w3.org/2001/XMLSchema" xmlns:xs="http://www.w3.org/2001/XMLSchema" xmlns:p="http://schemas.microsoft.com/office/2006/metadata/properties" xmlns:ns2="2b2dfeed-2da1-4ef4-b600-f5543001ef98" xmlns:ns3="ed015050-a57a-4d39-9cd8-b09b64473eb7" targetNamespace="http://schemas.microsoft.com/office/2006/metadata/properties" ma:root="true" ma:fieldsID="201ee68f6898ad23f8753cba542e5bc7" ns2:_="" ns3:_="">
     <xsd:import namespace="2b2dfeed-2da1-4ef4-b600-f5543001ef98"/>
     <xsd:import namespace="ed015050-a57a-4d39-9cd8-b09b64473eb7"/>
     <xsd:element name="properties">
@@ -12832,28 +14880,10 @@
 </ct:contentTypeSchema>
 </file>
 
-<file path=customXml/item5.xml><?xml version="1.0" encoding="utf-8"?>
-<p:properties xmlns:p="http://schemas.microsoft.com/office/2006/metadata/properties" xmlns:xsi="http://www.w3.org/2001/XMLSchema-instance" xmlns:pc="http://schemas.microsoft.com/office/infopath/2007/PartnerControls">
-  <documentManagement>
-    <SharedWithUsers xmlns="2b2dfeed-2da1-4ef4-b600-f5543001ef98">
-      <UserInfo>
-        <DisplayName/>
-        <AccountId xsi:nil="true"/>
-        <AccountType/>
-      </UserInfo>
-    </SharedWithUsers>
-    <_ShortcutUrl xmlns="ed015050-a57a-4d39-9cd8-b09b64473eb7">
-      <Url xsi:nil="true"/>
-      <Description xsi:nil="true"/>
-    </_ShortcutUrl>
-  </documentManagement>
-</p:properties>
-</file>
-
 <file path=customXml/itemProps1.xml><?xml version="1.0" encoding="utf-8"?>
-<ds:datastoreItem xmlns:ds="http://schemas.openxmlformats.org/officeDocument/2006/customXml" ds:itemID="{758FDAC0-319D-4A54-8D8E-1D42CB1F8004}">
+<ds:datastoreItem xmlns:ds="http://schemas.openxmlformats.org/officeDocument/2006/customXml" ds:itemID="{677D6579-22AD-4A80-9B8A-923346340664}">
   <ds:schemaRefs>
-    <ds:schemaRef ds:uri="http://schemas.microsoft.com/sharepoint/v3/contenttype/forms"/>
+    <ds:schemaRef ds:uri="http://schemas.microsoft.com/VisualStudio/2011/storyboarding/control"/>
   </ds:schemaRefs>
 </ds:datastoreItem>
 </file>
@@ -12867,15 +14897,32 @@
 </file>
 
 <file path=customXml/itemProps3.xml><?xml version="1.0" encoding="utf-8"?>
-<ds:datastoreItem xmlns:ds="http://schemas.openxmlformats.org/officeDocument/2006/customXml" ds:itemID="{677D6579-22AD-4A80-9B8A-923346340664}">
+<ds:datastoreItem xmlns:ds="http://schemas.openxmlformats.org/officeDocument/2006/customXml" ds:itemID="{758FDAC0-319D-4A54-8D8E-1D42CB1F8004}">
   <ds:schemaRefs>
-    <ds:schemaRef ds:uri="http://schemas.microsoft.com/VisualStudio/2011/storyboarding/control"/>
+    <ds:schemaRef ds:uri="http://schemas.microsoft.com/sharepoint/v3/contenttype/forms"/>
   </ds:schemaRefs>
 </ds:datastoreItem>
 </file>
 
 <file path=customXml/itemProps4.xml><?xml version="1.0" encoding="utf-8"?>
-<ds:datastoreItem xmlns:ds="http://schemas.openxmlformats.org/officeDocument/2006/customXml" ds:itemID="{2E611159-C1FA-4FBC-B547-FA126823C30C}">
+<ds:datastoreItem xmlns:ds="http://schemas.openxmlformats.org/officeDocument/2006/customXml" ds:itemID="{F990F116-B58F-4255-B05B-DA3808E0E5C6}">
+  <ds:schemaRefs>
+    <ds:schemaRef ds:uri="http://purl.org/dc/dcmitype/"/>
+    <ds:schemaRef ds:uri="ed015050-a57a-4d39-9cd8-b09b64473eb7"/>
+    <ds:schemaRef ds:uri="http://schemas.microsoft.com/office/2006/documentManagement/types"/>
+    <ds:schemaRef ds:uri="http://schemas.microsoft.com/office/2006/metadata/properties"/>
+    <ds:schemaRef ds:uri="http://schemas.microsoft.com/office/infopath/2007/PartnerControls"/>
+    <ds:schemaRef ds:uri="2b2dfeed-2da1-4ef4-b600-f5543001ef98"/>
+    <ds:schemaRef ds:uri="http://purl.org/dc/terms/"/>
+    <ds:schemaRef ds:uri="http://schemas.openxmlformats.org/package/2006/metadata/core-properties"/>
+    <ds:schemaRef ds:uri="http://www.w3.org/XML/1998/namespace"/>
+    <ds:schemaRef ds:uri="http://purl.org/dc/elements/1.1/"/>
+  </ds:schemaRefs>
+</ds:datastoreItem>
+</file>
+
+<file path=customXml/itemProps5.xml><?xml version="1.0" encoding="utf-8"?>
+<ds:datastoreItem xmlns:ds="http://schemas.openxmlformats.org/officeDocument/2006/customXml" ds:itemID="{E2D80EEE-13AE-464A-A252-3E3C532E44E6}">
   <ds:schemaRefs>
     <ds:schemaRef ds:uri="http://schemas.microsoft.com/office/2006/metadata/contentType"/>
     <ds:schemaRef ds:uri="http://schemas.microsoft.com/office/2006/metadata/properties/metaAttributes"/>
@@ -12891,21 +14938,4 @@
     <ds:schemaRef ds:uri="http://schemas.microsoft.com/internal/obd"/>
   </ds:schemaRefs>
 </ds:datastoreItem>
-</file>
-
-<file path=customXml/itemProps5.xml><?xml version="1.0" encoding="utf-8"?>
-<ds:datastoreItem xmlns:ds="http://schemas.openxmlformats.org/officeDocument/2006/customXml" ds:itemID="{F990F116-B58F-4255-B05B-DA3808E0E5C6}">
-  <ds:schemaRefs>
-    <ds:schemaRef ds:uri="http://purl.org/dc/dcmitype/"/>
-    <ds:schemaRef ds:uri="http://purl.org/dc/elements/1.1/"/>
-    <ds:schemaRef ds:uri="http://schemas.microsoft.com/office/2006/metadata/properties"/>
-    <ds:schemaRef ds:uri="ed015050-a57a-4d39-9cd8-b09b64473eb7"/>
-    <ds:schemaRef ds:uri="http://schemas.microsoft.com/office/2006/documentManagement/types"/>
-    <ds:schemaRef ds:uri="http://purl.org/dc/terms/"/>
-    <ds:schemaRef ds:uri="http://schemas.microsoft.com/office/infopath/2007/PartnerControls"/>
-    <ds:schemaRef ds:uri="http://schemas.openxmlformats.org/package/2006/metadata/core-properties"/>
-    <ds:schemaRef ds:uri="2b2dfeed-2da1-4ef4-b600-f5543001ef98"/>
-    <ds:schemaRef ds:uri="http://www.w3.org/XML/1998/namespace"/>
-  </ds:schemaRefs>
-</ds:datastoreItem>
 </file>